--- a/课程PPT/07.JS函数及函数参数.pptx
+++ b/课程PPT/07.JS函数及函数参数.pptx
@@ -5,23 +5,23 @@
     <p:sldMasterId id="2147483648" r:id="rId1"/>
   </p:sldMasterIdLst>
   <p:notesMasterIdLst>
-    <p:notesMasterId r:id="rId16"/>
+    <p:notesMasterId r:id="rId5"/>
   </p:notesMasterIdLst>
   <p:sldIdLst>
-    <p:sldId id="1177" r:id="rId2"/>
-    <p:sldId id="1178" r:id="rId3"/>
-    <p:sldId id="1179" r:id="rId4"/>
-    <p:sldId id="1180" r:id="rId5"/>
-    <p:sldId id="1181" r:id="rId6"/>
-    <p:sldId id="1182" r:id="rId7"/>
-    <p:sldId id="1183" r:id="rId8"/>
-    <p:sldId id="1184" r:id="rId9"/>
-    <p:sldId id="1185" r:id="rId10"/>
-    <p:sldId id="1440" r:id="rId11"/>
-    <p:sldId id="1187" r:id="rId12"/>
-    <p:sldId id="1466" r:id="rId13"/>
-    <p:sldId id="1188" r:id="rId14"/>
-    <p:sldId id="1190" r:id="rId15"/>
+    <p:sldId id="1177" r:id="rId3"/>
+    <p:sldId id="1178" r:id="rId4"/>
+    <p:sldId id="1179" r:id="rId6"/>
+    <p:sldId id="1180" r:id="rId7"/>
+    <p:sldId id="1181" r:id="rId8"/>
+    <p:sldId id="1182" r:id="rId9"/>
+    <p:sldId id="1183" r:id="rId10"/>
+    <p:sldId id="1184" r:id="rId11"/>
+    <p:sldId id="1185" r:id="rId12"/>
+    <p:sldId id="1440" r:id="rId13"/>
+    <p:sldId id="1187" r:id="rId14"/>
+    <p:sldId id="1466" r:id="rId15"/>
+    <p:sldId id="1188" r:id="rId16"/>
+    <p:sldId id="1190" r:id="rId17"/>
   </p:sldIdLst>
   <p:sldSz cx="12192000" cy="6858000"/>
   <p:notesSz cx="6797675" cy="9928225"/>
@@ -340,6 +340,7 @@
               <a:rPr lang="zh-CN" altLang="zh-CN" noProof="0" smtClean="0"/>
               <a:t>                                                   </a:t>
             </a:r>
+            <a:endParaRPr lang="zh-CN" altLang="zh-CN" noProof="0" smtClean="0"/>
           </a:p>
           <a:p>
             <a:pPr lvl="1"/>
@@ -347,6 +348,7 @@
               <a:rPr lang="zh-CN" altLang="zh-CN" noProof="0" smtClean="0"/>
               <a:t>               </a:t>
             </a:r>
+            <a:endParaRPr lang="zh-CN" altLang="zh-CN" noProof="0" smtClean="0"/>
           </a:p>
           <a:p>
             <a:pPr lvl="2"/>
@@ -354,6 +356,7 @@
               <a:rPr lang="zh-CN" altLang="zh-CN" noProof="0" smtClean="0"/>
               <a:t>                </a:t>
             </a:r>
+            <a:endParaRPr lang="zh-CN" altLang="zh-CN" noProof="0" smtClean="0"/>
           </a:p>
           <a:p>
             <a:pPr lvl="3"/>
@@ -361,6 +364,7 @@
               <a:rPr lang="zh-CN" altLang="zh-CN" noProof="0" smtClean="0"/>
               <a:t>                </a:t>
             </a:r>
+            <a:endParaRPr lang="zh-CN" altLang="zh-CN" noProof="0" smtClean="0"/>
           </a:p>
           <a:p>
             <a:pPr lvl="4"/>
@@ -368,6 +372,7 @@
               <a:rPr lang="zh-CN" altLang="zh-CN" noProof="0" smtClean="0"/>
               <a:t>                </a:t>
             </a:r>
+            <a:endParaRPr lang="zh-CN" altLang="zh-CN" noProof="0" smtClean="0"/>
           </a:p>
         </p:txBody>
       </p:sp>
@@ -450,18 +455,12 @@
           <a:p>
             <a:fld id="{D9AFD278-84AA-4CAA-9049-809825956FE0}" type="slidenum">
               <a:rPr lang="en-US" altLang="zh-CN"/>
-              <a:t>‹#›</a:t>
             </a:fld>
             <a:endParaRPr lang="zh-CN" altLang="zh-CN"/>
           </a:p>
         </p:txBody>
       </p:sp>
     </p:spTree>
-    <p:extLst>
-      <p:ext uri="{BB962C8B-B14F-4D97-AF65-F5344CB8AC3E}">
-        <p14:creationId xmlns:p14="http://schemas.microsoft.com/office/powerpoint/2010/main" val="2677018674"/>
-      </p:ext>
-    </p:extLst>
   </p:cSld>
   <p:clrMap bg1="lt1" tx1="dk1" bg2="lt2" tx2="dk2" accent1="accent1" accent2="accent2" accent3="accent3" accent4="accent4" accent5="accent5" accent6="accent6" hlink="hlink" folHlink="folHlink"/>
   <p:notesStyle>
@@ -654,7 +653,6 @@
           <a:p>
             <a:fld id="{D9AFD278-84AA-4CAA-9049-809825956FE0}" type="slidenum">
               <a:rPr lang="en-US" altLang="zh-CN" smtClean="0"/>
-              <a:t>2</a:t>
             </a:fld>
             <a:endParaRPr lang="zh-CN" altLang="zh-CN"/>
           </a:p>
@@ -735,7 +733,6 @@
           <a:p>
             <a:fld id="{D9AFD278-84AA-4CAA-9049-809825956FE0}" type="slidenum">
               <a:rPr lang="en-US" altLang="zh-CN" smtClean="0"/>
-              <a:t>11</a:t>
             </a:fld>
             <a:endParaRPr lang="zh-CN" altLang="zh-CN"/>
           </a:p>
@@ -816,7 +813,6 @@
           <a:p>
             <a:fld id="{D9AFD278-84AA-4CAA-9049-809825956FE0}" type="slidenum">
               <a:rPr lang="en-US" altLang="zh-CN" smtClean="0"/>
-              <a:t>12</a:t>
             </a:fld>
             <a:endParaRPr lang="zh-CN" altLang="zh-CN"/>
           </a:p>
@@ -895,7 +891,6 @@
           <a:p>
             <a:fld id="{D9AFD278-84AA-4CAA-9049-809825956FE0}" type="slidenum">
               <a:rPr lang="en-US" altLang="zh-CN" smtClean="0"/>
-              <a:t>13</a:t>
             </a:fld>
             <a:endParaRPr lang="zh-CN" altLang="zh-CN"/>
           </a:p>
@@ -976,7 +971,6 @@
           <a:p>
             <a:fld id="{D9AFD278-84AA-4CAA-9049-809825956FE0}" type="slidenum">
               <a:rPr lang="en-US" altLang="zh-CN" smtClean="0"/>
-              <a:t>3</a:t>
             </a:fld>
             <a:endParaRPr lang="zh-CN" altLang="zh-CN"/>
           </a:p>
@@ -1057,7 +1051,6 @@
           <a:p>
             <a:fld id="{D9AFD278-84AA-4CAA-9049-809825956FE0}" type="slidenum">
               <a:rPr lang="en-US" altLang="zh-CN" smtClean="0"/>
-              <a:t>4</a:t>
             </a:fld>
             <a:endParaRPr lang="zh-CN" altLang="zh-CN"/>
           </a:p>
@@ -1138,7 +1131,6 @@
           <a:p>
             <a:fld id="{D9AFD278-84AA-4CAA-9049-809825956FE0}" type="slidenum">
               <a:rPr lang="en-US" altLang="zh-CN" smtClean="0"/>
-              <a:t>5</a:t>
             </a:fld>
             <a:endParaRPr lang="zh-CN" altLang="zh-CN"/>
           </a:p>
@@ -1217,7 +1209,6 @@
           <a:p>
             <a:fld id="{D9AFD278-84AA-4CAA-9049-809825956FE0}" type="slidenum">
               <a:rPr lang="en-US" altLang="zh-CN" smtClean="0"/>
-              <a:t>6</a:t>
             </a:fld>
             <a:endParaRPr lang="zh-CN" altLang="zh-CN"/>
           </a:p>
@@ -1298,7 +1289,6 @@
           <a:p>
             <a:fld id="{D9AFD278-84AA-4CAA-9049-809825956FE0}" type="slidenum">
               <a:rPr lang="en-US" altLang="zh-CN" smtClean="0"/>
-              <a:t>7</a:t>
             </a:fld>
             <a:endParaRPr lang="zh-CN" altLang="zh-CN"/>
           </a:p>
@@ -1379,7 +1369,6 @@
           <a:p>
             <a:fld id="{D9AFD278-84AA-4CAA-9049-809825956FE0}" type="slidenum">
               <a:rPr lang="en-US" altLang="zh-CN" smtClean="0"/>
-              <a:t>8</a:t>
             </a:fld>
             <a:endParaRPr lang="zh-CN" altLang="zh-CN"/>
           </a:p>
@@ -1458,7 +1447,6 @@
           <a:p>
             <a:fld id="{D9AFD278-84AA-4CAA-9049-809825956FE0}" type="slidenum">
               <a:rPr lang="en-US" altLang="zh-CN" smtClean="0"/>
-              <a:t>9</a:t>
             </a:fld>
             <a:endParaRPr lang="zh-CN" altLang="zh-CN"/>
           </a:p>
@@ -1520,6 +1508,7 @@
               <a:rPr lang="zh-CN" altLang="en-US" dirty="0" smtClean="0"/>
               <a:t>脚本语言是由传统编程语言简化而来的语言，因此有很多相似之处。</a:t>
             </a:r>
+            <a:endParaRPr lang="zh-CN" altLang="en-US" dirty="0" smtClean="0"/>
           </a:p>
           <a:p>
             <a:endParaRPr lang="zh-CN" altLang="en-US" dirty="0"/>
@@ -1546,7 +1535,6 @@
             </a:pPr>
             <a:fld id="{50FA7BE5-9B7D-4F20-881C-9A0B90E6FF72}" type="slidenum">
               <a:rPr lang="zh-CN" altLang="zh-CN" smtClean="0"/>
-              <a:t>10</a:t>
             </a:fld>
             <a:endParaRPr lang="zh-CN" altLang="zh-CN"/>
           </a:p>
@@ -1630,6 +1618,7 @@
               <a:rPr lang="zh-CN" altLang="en-US" dirty="0" smtClean="0"/>
               <a:t>单击此处编辑母版文本样式</a:t>
             </a:r>
+            <a:endParaRPr lang="zh-CN" altLang="en-US" dirty="0" smtClean="0"/>
           </a:p>
           <a:p>
             <a:pPr lvl="1"/>
@@ -1637,6 +1626,7 @@
               <a:rPr lang="zh-CN" altLang="en-US" dirty="0" smtClean="0"/>
               <a:t>第二级</a:t>
             </a:r>
+            <a:endParaRPr lang="zh-CN" altLang="en-US" dirty="0" smtClean="0"/>
           </a:p>
           <a:p>
             <a:pPr lvl="2"/>
@@ -1644,6 +1634,7 @@
               <a:rPr lang="zh-CN" altLang="en-US" dirty="0" smtClean="0"/>
               <a:t>第三级</a:t>
             </a:r>
+            <a:endParaRPr lang="zh-CN" altLang="en-US" dirty="0" smtClean="0"/>
           </a:p>
           <a:p>
             <a:pPr lvl="3"/>
@@ -1651,6 +1642,7 @@
               <a:rPr lang="zh-CN" altLang="en-US" dirty="0" smtClean="0"/>
               <a:t>第四级</a:t>
             </a:r>
+            <a:endParaRPr lang="zh-CN" altLang="en-US" dirty="0" smtClean="0"/>
           </a:p>
         </p:txBody>
       </p:sp>
@@ -1712,6 +1704,7 @@
               <a:rPr lang="zh-CN" altLang="en-US" dirty="0" smtClean="0"/>
               <a:t>单击此处编辑母版文本样式</a:t>
             </a:r>
+            <a:endParaRPr lang="zh-CN" altLang="en-US" dirty="0" smtClean="0"/>
           </a:p>
         </p:txBody>
       </p:sp>
@@ -1768,7 +1761,6 @@
           <a:p>
             <a:fld id="{2030C94F-1E7C-47E3-9C60-176A530B03BF}" type="slidenum">
               <a:rPr lang="en-US" altLang="zh-CN"/>
-              <a:t>‹#›</a:t>
             </a:fld>
             <a:endParaRPr lang="zh-CN" altLang="zh-CN" sz="3200" b="0"/>
           </a:p>
@@ -1859,6 +1851,7 @@
               <a:rPr lang="zh-CN" altLang="en-US" dirty="0" smtClean="0"/>
               <a:t>单击此处编辑母版文本样式</a:t>
             </a:r>
+            <a:endParaRPr lang="zh-CN" altLang="en-US" dirty="0" smtClean="0"/>
           </a:p>
           <a:p>
             <a:pPr lvl="1"/>
@@ -1866,6 +1859,7 @@
               <a:rPr lang="zh-CN" altLang="en-US" dirty="0" smtClean="0"/>
               <a:t>第二级</a:t>
             </a:r>
+            <a:endParaRPr lang="zh-CN" altLang="en-US" dirty="0" smtClean="0"/>
           </a:p>
           <a:p>
             <a:pPr lvl="2"/>
@@ -1873,6 +1867,7 @@
               <a:rPr lang="zh-CN" altLang="en-US" dirty="0" smtClean="0"/>
               <a:t>第三级</a:t>
             </a:r>
+            <a:endParaRPr lang="zh-CN" altLang="en-US" dirty="0" smtClean="0"/>
           </a:p>
           <a:p>
             <a:pPr lvl="3"/>
@@ -1880,6 +1875,7 @@
               <a:rPr lang="zh-CN" altLang="en-US" dirty="0" smtClean="0"/>
               <a:t>第四级</a:t>
             </a:r>
+            <a:endParaRPr lang="zh-CN" altLang="en-US" dirty="0" smtClean="0"/>
           </a:p>
         </p:txBody>
       </p:sp>
@@ -1937,6 +1933,7 @@
               <a:rPr lang="zh-CN" altLang="en-US" dirty="0" smtClean="0"/>
               <a:t>单击此处编辑母版文本样式</a:t>
             </a:r>
+            <a:endParaRPr lang="zh-CN" altLang="en-US" dirty="0" smtClean="0"/>
           </a:p>
         </p:txBody>
       </p:sp>
@@ -2018,6 +2015,7 @@
               <a:rPr lang="zh-CN" altLang="en-US" dirty="0" smtClean="0"/>
               <a:t>单击此处编辑母版文本样式</a:t>
             </a:r>
+            <a:endParaRPr lang="zh-CN" altLang="en-US" dirty="0" smtClean="0"/>
           </a:p>
           <a:p>
             <a:pPr lvl="1"/>
@@ -2025,6 +2023,7 @@
               <a:rPr lang="zh-CN" altLang="en-US" dirty="0" smtClean="0"/>
               <a:t>第二级</a:t>
             </a:r>
+            <a:endParaRPr lang="zh-CN" altLang="en-US" dirty="0" smtClean="0"/>
           </a:p>
           <a:p>
             <a:pPr lvl="2"/>
@@ -2032,6 +2031,7 @@
               <a:rPr lang="zh-CN" altLang="en-US" dirty="0" smtClean="0"/>
               <a:t>第三级</a:t>
             </a:r>
+            <a:endParaRPr lang="zh-CN" altLang="en-US" dirty="0" smtClean="0"/>
           </a:p>
           <a:p>
             <a:pPr lvl="3"/>
@@ -2039,6 +2039,7 @@
               <a:rPr lang="zh-CN" altLang="en-US" dirty="0" smtClean="0"/>
               <a:t>第四级</a:t>
             </a:r>
+            <a:endParaRPr lang="zh-CN" altLang="en-US" dirty="0" smtClean="0"/>
           </a:p>
         </p:txBody>
       </p:sp>
@@ -2096,6 +2097,7 @@
               <a:rPr lang="zh-CN" altLang="en-US" dirty="0" smtClean="0"/>
               <a:t>单击此处编辑母版文本样式</a:t>
             </a:r>
+            <a:endParaRPr lang="zh-CN" altLang="en-US" dirty="0" smtClean="0"/>
           </a:p>
         </p:txBody>
       </p:sp>
@@ -2177,6 +2179,7 @@
               <a:rPr lang="zh-CN" altLang="en-US" dirty="0" smtClean="0"/>
               <a:t>单击此处编辑母版文本样式</a:t>
             </a:r>
+            <a:endParaRPr lang="zh-CN" altLang="en-US" dirty="0" smtClean="0"/>
           </a:p>
           <a:p>
             <a:pPr lvl="1"/>
@@ -2184,6 +2187,7 @@
               <a:rPr lang="zh-CN" altLang="en-US" dirty="0" smtClean="0"/>
               <a:t>第二级</a:t>
             </a:r>
+            <a:endParaRPr lang="zh-CN" altLang="en-US" dirty="0" smtClean="0"/>
           </a:p>
           <a:p>
             <a:pPr lvl="2"/>
@@ -2191,6 +2195,7 @@
               <a:rPr lang="zh-CN" altLang="en-US" dirty="0" smtClean="0"/>
               <a:t>第三级</a:t>
             </a:r>
+            <a:endParaRPr lang="zh-CN" altLang="en-US" dirty="0" smtClean="0"/>
           </a:p>
           <a:p>
             <a:pPr lvl="3"/>
@@ -2198,6 +2203,7 @@
               <a:rPr lang="zh-CN" altLang="en-US" dirty="0" smtClean="0"/>
               <a:t>第四级</a:t>
             </a:r>
+            <a:endParaRPr lang="zh-CN" altLang="en-US" dirty="0" smtClean="0"/>
           </a:p>
         </p:txBody>
       </p:sp>
@@ -2255,6 +2261,7 @@
               <a:rPr lang="zh-CN" altLang="en-US" dirty="0" smtClean="0"/>
               <a:t>单击此处编辑母版文本样式</a:t>
             </a:r>
+            <a:endParaRPr lang="zh-CN" altLang="en-US" dirty="0" smtClean="0"/>
           </a:p>
         </p:txBody>
       </p:sp>
@@ -2336,6 +2343,7 @@
               <a:rPr lang="zh-CN" altLang="en-US" dirty="0" smtClean="0"/>
               <a:t>单击此处编辑母版文本样式</a:t>
             </a:r>
+            <a:endParaRPr lang="zh-CN" altLang="en-US" dirty="0" smtClean="0"/>
           </a:p>
           <a:p>
             <a:pPr lvl="1"/>
@@ -2343,6 +2351,7 @@
               <a:rPr lang="zh-CN" altLang="en-US" dirty="0" smtClean="0"/>
               <a:t>第二级</a:t>
             </a:r>
+            <a:endParaRPr lang="zh-CN" altLang="en-US" dirty="0" smtClean="0"/>
           </a:p>
           <a:p>
             <a:pPr lvl="2"/>
@@ -2350,6 +2359,7 @@
               <a:rPr lang="zh-CN" altLang="en-US" dirty="0" smtClean="0"/>
               <a:t>第三级</a:t>
             </a:r>
+            <a:endParaRPr lang="zh-CN" altLang="en-US" dirty="0" smtClean="0"/>
           </a:p>
           <a:p>
             <a:pPr lvl="3"/>
@@ -2357,6 +2367,7 @@
               <a:rPr lang="zh-CN" altLang="en-US" dirty="0" smtClean="0"/>
               <a:t>第四级</a:t>
             </a:r>
+            <a:endParaRPr lang="zh-CN" altLang="en-US" dirty="0" smtClean="0"/>
           </a:p>
         </p:txBody>
       </p:sp>
@@ -2414,6 +2425,7 @@
               <a:rPr lang="zh-CN" altLang="en-US" dirty="0" smtClean="0"/>
               <a:t>单击此处编辑母版文本样式</a:t>
             </a:r>
+            <a:endParaRPr lang="zh-CN" altLang="en-US" dirty="0" smtClean="0"/>
           </a:p>
         </p:txBody>
       </p:sp>
@@ -2495,6 +2507,7 @@
               <a:rPr lang="zh-CN" altLang="en-US" dirty="0" smtClean="0"/>
               <a:t>单击此处编辑母版文本样式</a:t>
             </a:r>
+            <a:endParaRPr lang="zh-CN" altLang="en-US" dirty="0" smtClean="0"/>
           </a:p>
           <a:p>
             <a:pPr lvl="1"/>
@@ -2502,6 +2515,7 @@
               <a:rPr lang="zh-CN" altLang="en-US" dirty="0" smtClean="0"/>
               <a:t>第二级</a:t>
             </a:r>
+            <a:endParaRPr lang="zh-CN" altLang="en-US" dirty="0" smtClean="0"/>
           </a:p>
           <a:p>
             <a:pPr lvl="2"/>
@@ -2509,6 +2523,7 @@
               <a:rPr lang="zh-CN" altLang="en-US" dirty="0" smtClean="0"/>
               <a:t>第三级</a:t>
             </a:r>
+            <a:endParaRPr lang="zh-CN" altLang="en-US" dirty="0" smtClean="0"/>
           </a:p>
           <a:p>
             <a:pPr lvl="3"/>
@@ -2516,6 +2531,7 @@
               <a:rPr lang="zh-CN" altLang="en-US" dirty="0" smtClean="0"/>
               <a:t>第四级</a:t>
             </a:r>
+            <a:endParaRPr lang="zh-CN" altLang="en-US" dirty="0" smtClean="0"/>
           </a:p>
         </p:txBody>
       </p:sp>
@@ -2573,6 +2589,7 @@
               <a:rPr lang="zh-CN" altLang="en-US" dirty="0" smtClean="0"/>
               <a:t>单击此处编辑母版文本样式</a:t>
             </a:r>
+            <a:endParaRPr lang="zh-CN" altLang="en-US" dirty="0" smtClean="0"/>
           </a:p>
         </p:txBody>
       </p:sp>
@@ -2654,6 +2671,7 @@
               <a:rPr lang="zh-CN" altLang="en-US" dirty="0" smtClean="0"/>
               <a:t>单击此处编辑母版文本样式</a:t>
             </a:r>
+            <a:endParaRPr lang="zh-CN" altLang="en-US" dirty="0" smtClean="0"/>
           </a:p>
           <a:p>
             <a:pPr lvl="1"/>
@@ -2661,6 +2679,7 @@
               <a:rPr lang="zh-CN" altLang="en-US" dirty="0" smtClean="0"/>
               <a:t>第二级</a:t>
             </a:r>
+            <a:endParaRPr lang="zh-CN" altLang="en-US" dirty="0" smtClean="0"/>
           </a:p>
           <a:p>
             <a:pPr lvl="2"/>
@@ -2668,6 +2687,7 @@
               <a:rPr lang="zh-CN" altLang="en-US" dirty="0" smtClean="0"/>
               <a:t>第三级</a:t>
             </a:r>
+            <a:endParaRPr lang="zh-CN" altLang="en-US" dirty="0" smtClean="0"/>
           </a:p>
           <a:p>
             <a:pPr lvl="3"/>
@@ -2675,6 +2695,7 @@
               <a:rPr lang="zh-CN" altLang="en-US" dirty="0" smtClean="0"/>
               <a:t>第四级</a:t>
             </a:r>
+            <a:endParaRPr lang="zh-CN" altLang="en-US" dirty="0" smtClean="0"/>
           </a:p>
         </p:txBody>
       </p:sp>
@@ -2732,6 +2753,7 @@
               <a:rPr lang="zh-CN" altLang="en-US" dirty="0" smtClean="0"/>
               <a:t>单击此处编辑母版文本样式</a:t>
             </a:r>
+            <a:endParaRPr lang="zh-CN" altLang="en-US" dirty="0" smtClean="0"/>
           </a:p>
         </p:txBody>
       </p:sp>
@@ -2813,6 +2835,7 @@
               <a:rPr lang="zh-CN" altLang="en-US" dirty="0" smtClean="0"/>
               <a:t>单击此处编辑母版文本样式</a:t>
             </a:r>
+            <a:endParaRPr lang="zh-CN" altLang="en-US" dirty="0" smtClean="0"/>
           </a:p>
           <a:p>
             <a:pPr lvl="1"/>
@@ -2820,6 +2843,7 @@
               <a:rPr lang="zh-CN" altLang="en-US" dirty="0" smtClean="0"/>
               <a:t>第二级</a:t>
             </a:r>
+            <a:endParaRPr lang="zh-CN" altLang="en-US" dirty="0" smtClean="0"/>
           </a:p>
           <a:p>
             <a:pPr lvl="2"/>
@@ -2827,6 +2851,7 @@
               <a:rPr lang="zh-CN" altLang="en-US" dirty="0" smtClean="0"/>
               <a:t>第三级</a:t>
             </a:r>
+            <a:endParaRPr lang="zh-CN" altLang="en-US" dirty="0" smtClean="0"/>
           </a:p>
           <a:p>
             <a:pPr lvl="3"/>
@@ -2834,6 +2859,7 @@
               <a:rPr lang="zh-CN" altLang="en-US" dirty="0" smtClean="0"/>
               <a:t>第四级</a:t>
             </a:r>
+            <a:endParaRPr lang="zh-CN" altLang="en-US" dirty="0" smtClean="0"/>
           </a:p>
         </p:txBody>
       </p:sp>
@@ -2895,6 +2921,7 @@
               <a:rPr lang="zh-CN" altLang="en-US" dirty="0" smtClean="0"/>
               <a:t>单击此处编辑母版文本样式</a:t>
             </a:r>
+            <a:endParaRPr lang="zh-CN" altLang="en-US" dirty="0" smtClean="0"/>
           </a:p>
         </p:txBody>
       </p:sp>
@@ -2912,7 +2939,7 @@
     <p:bg bwMode="auto">
       <p:bgPr>
         <a:blipFill dpi="0" rotWithShape="0">
-          <a:blip r:embed="rId11"/>
+          <a:blip r:embed="rId10"/>
           <a:srcRect/>
           <a:stretch>
             <a:fillRect/>
@@ -2971,7 +2998,6 @@
           <a:p>
             <a:fld id="{43A45880-9E2A-43E4-955C-AEB11E14255E}" type="slidenum">
               <a:rPr lang="en-US" altLang="zh-CN"/>
-              <a:t>‹#›</a:t>
             </a:fld>
             <a:endParaRPr lang="zh-CN" altLang="zh-CN"/>
           </a:p>
@@ -2986,7 +3012,7 @@
           <p:nvPr/>
         </p:nvPicPr>
         <p:blipFill>
-          <a:blip r:embed="rId12">
+          <a:blip r:embed="rId11">
             <a:extLst>
               <a:ext uri="{28A0092B-C50C-407E-A947-70E740481C1C}">
                 <a14:useLocalDpi xmlns:a14="http://schemas.microsoft.com/office/drawing/2010/main" val="0"/>
@@ -3040,7 +3066,7 @@
           <p:nvPr/>
         </p:nvPicPr>
         <p:blipFill>
-          <a:blip r:embed="rId13">
+          <a:blip r:embed="rId12">
             <a:extLst>
               <a:ext uri="{28A0092B-C50C-407E-A947-70E740481C1C}">
                 <a14:useLocalDpi xmlns:a14="http://schemas.microsoft.com/office/drawing/2010/main" val="0"/>
@@ -3553,7 +3579,7 @@
           <p:nvPr/>
         </p:nvPicPr>
         <p:blipFill>
-          <a:blip r:embed="rId2">
+          <a:blip r:embed="rId1">
             <a:extLst>
               <a:ext uri="{28A0092B-C50C-407E-A947-70E740481C1C}">
                 <a14:useLocalDpi xmlns:a14="http://schemas.microsoft.com/office/drawing/2010/main" val="0"/>
@@ -3824,6 +3850,10 @@
               </a:rPr>
               <a:t>函数及函数参数</a:t>
             </a:r>
+            <a:endParaRPr lang="zh-CN" altLang="en-US" dirty="0">
+              <a:latin typeface="+mj-ea"/>
+              <a:ea typeface="+mj-ea"/>
+            </a:endParaRPr>
           </a:p>
         </p:txBody>
       </p:sp>
@@ -3836,7 +3866,7 @@
           <p:nvPr/>
         </p:nvPicPr>
         <p:blipFill>
-          <a:blip r:embed="rId3">
+          <a:blip r:embed="rId2">
             <a:extLst>
               <a:ext uri="{28A0092B-C50C-407E-A947-70E740481C1C}">
                 <a14:useLocalDpi xmlns:a14="http://schemas.microsoft.com/office/drawing/2010/main" val="0"/>
@@ -3945,7 +3975,7 @@
                   <a:schemeClr val="tx1"/>
                 </a:solidFill>
               </a:rPr>
-              <a:t>JavaScript</a:t>
+              <a:t>JS</a:t>
             </a:r>
             <a:r>
               <a:rPr lang="zh-CN" altLang="en-US" sz="3200" dirty="0">
@@ -4018,10 +4048,6 @@
                 </a:solidFill>
               </a:rPr>
               <a:t>）</a:t>
-            </a:r>
-            <a:r>
-              <a:rPr lang="zh-CN" altLang="en-US" sz="3200" dirty="0"/>
-              <a:t/>
             </a:r>
             <a:br>
               <a:rPr lang="zh-CN" altLang="en-US" sz="3200" dirty="0"/>
@@ -4250,6 +4276,12 @@
               </a:rPr>
               <a:t>等））</a:t>
             </a:r>
+            <a:endParaRPr lang="zh-CN" altLang="en-US" sz="2000" dirty="0">
+              <a:solidFill>
+                <a:schemeClr val="tx1"/>
+              </a:solidFill>
+              <a:sym typeface="+mn-ea"/>
+            </a:endParaRPr>
           </a:p>
           <a:p>
             <a:pPr>
@@ -4448,7 +4480,7 @@
           <p:nvPr/>
         </p:nvPicPr>
         <p:blipFill>
-          <a:blip r:embed="rId3"/>
+          <a:blip r:embed="rId1"/>
           <a:srcRect/>
           <a:stretch>
             <a:fillRect/>
@@ -5197,6 +5229,12 @@
               </a:rPr>
               <a:t>）</a:t>
             </a:r>
+            <a:endParaRPr lang="zh-CN" altLang="en-US" sz="3200" dirty="0" smtClean="0">
+              <a:solidFill>
+                <a:srgbClr val="000000"/>
+              </a:solidFill>
+              <a:sym typeface="+mn-ea"/>
+            </a:endParaRPr>
           </a:p>
           <a:p>
             <a:pPr marL="0" indent="0">
@@ -5205,14 +5243,6 @@
               </a:lnSpc>
               <a:buNone/>
             </a:pPr>
-            <a:r>
-              <a:rPr kumimoji="0" lang="zh-CN" altLang="en-US" sz="2000" dirty="0" smtClean="0">
-                <a:solidFill>
-                  <a:schemeClr val="tx1"/>
-                </a:solidFill>
-              </a:rPr>
-              <a:t/>
-            </a:r>
             <a:br>
               <a:rPr kumimoji="0" lang="zh-CN" altLang="en-US" sz="2000" dirty="0" smtClean="0">
                 <a:solidFill>
@@ -5220,14 +5250,6 @@
                 </a:solidFill>
               </a:rPr>
             </a:br>
-            <a:r>
-              <a:rPr kumimoji="0" lang="zh-CN" altLang="en-US" sz="2000" dirty="0" smtClean="0">
-                <a:solidFill>
-                  <a:schemeClr val="tx1"/>
-                </a:solidFill>
-              </a:rPr>
-              <a:t/>
-            </a:r>
             <a:br>
               <a:rPr kumimoji="0" lang="zh-CN" altLang="en-US" sz="2000" dirty="0" smtClean="0">
                 <a:solidFill>
@@ -5235,14 +5257,6 @@
                 </a:solidFill>
               </a:rPr>
             </a:br>
-            <a:r>
-              <a:rPr kumimoji="0" lang="zh-CN" altLang="en-US" sz="2000" dirty="0" smtClean="0">
-                <a:solidFill>
-                  <a:schemeClr val="tx1"/>
-                </a:solidFill>
-              </a:rPr>
-              <a:t/>
-            </a:r>
             <a:br>
               <a:rPr kumimoji="0" lang="zh-CN" altLang="en-US" sz="2000" dirty="0" smtClean="0">
                 <a:solidFill>
@@ -5250,14 +5264,6 @@
                 </a:solidFill>
               </a:rPr>
             </a:br>
-            <a:r>
-              <a:rPr kumimoji="0" lang="zh-CN" altLang="en-US" sz="2000" dirty="0" smtClean="0">
-                <a:solidFill>
-                  <a:schemeClr val="tx1"/>
-                </a:solidFill>
-              </a:rPr>
-              <a:t/>
-            </a:r>
             <a:br>
               <a:rPr kumimoji="0" lang="zh-CN" altLang="en-US" sz="2000" dirty="0" smtClean="0">
                 <a:solidFill>
@@ -5265,14 +5271,6 @@
                 </a:solidFill>
               </a:rPr>
             </a:br>
-            <a:r>
-              <a:rPr kumimoji="0" lang="zh-CN" altLang="en-US" sz="2000" dirty="0" smtClean="0">
-                <a:solidFill>
-                  <a:schemeClr val="tx1"/>
-                </a:solidFill>
-              </a:rPr>
-              <a:t/>
-            </a:r>
             <a:br>
               <a:rPr kumimoji="0" lang="zh-CN" altLang="en-US" sz="2000" dirty="0" smtClean="0">
                 <a:solidFill>
@@ -5280,14 +5278,6 @@
                 </a:solidFill>
               </a:rPr>
             </a:br>
-            <a:r>
-              <a:rPr kumimoji="0" lang="zh-CN" altLang="en-US" sz="2000" dirty="0" smtClean="0">
-                <a:solidFill>
-                  <a:schemeClr val="tx1"/>
-                </a:solidFill>
-              </a:rPr>
-              <a:t/>
-            </a:r>
             <a:br>
               <a:rPr kumimoji="0" lang="zh-CN" altLang="en-US" sz="2000" dirty="0" smtClean="0">
                 <a:solidFill>
@@ -5295,14 +5285,6 @@
                 </a:solidFill>
               </a:rPr>
             </a:br>
-            <a:r>
-              <a:rPr kumimoji="0" lang="zh-CN" altLang="en-US" sz="2000" dirty="0" smtClean="0">
-                <a:solidFill>
-                  <a:schemeClr val="tx1"/>
-                </a:solidFill>
-              </a:rPr>
-              <a:t/>
-            </a:r>
             <a:br>
               <a:rPr kumimoji="0" lang="zh-CN" altLang="en-US" sz="2000" dirty="0" smtClean="0">
                 <a:solidFill>
@@ -5310,14 +5292,6 @@
                 </a:solidFill>
               </a:rPr>
             </a:br>
-            <a:r>
-              <a:rPr kumimoji="0" lang="zh-CN" altLang="en-US" sz="2000" dirty="0" smtClean="0">
-                <a:solidFill>
-                  <a:schemeClr val="tx1"/>
-                </a:solidFill>
-              </a:rPr>
-              <a:t/>
-            </a:r>
             <a:br>
               <a:rPr kumimoji="0" lang="zh-CN" altLang="en-US" sz="2000" dirty="0" smtClean="0">
                 <a:solidFill>
@@ -5389,6 +5363,7 @@
               <a:rPr kumimoji="0" lang="zh-CN" altLang="en-US" dirty="0"/>
               <a:t>值传递（基本数据类型的传递）</a:t>
             </a:r>
+            <a:endParaRPr kumimoji="0" lang="zh-CN" altLang="en-US" dirty="0"/>
           </a:p>
         </p:txBody>
       </p:sp>
@@ -5401,7 +5376,7 @@
           <p:nvPr/>
         </p:nvPicPr>
         <p:blipFill>
-          <a:blip r:embed="rId3"/>
+          <a:blip r:embed="rId1"/>
           <a:srcRect/>
           <a:stretch>
             <a:fillRect/>
@@ -5519,7 +5494,7 @@
           <p:nvPr/>
         </p:nvPicPr>
         <p:blipFill>
-          <a:blip r:embed="rId4"/>
+          <a:blip r:embed="rId2"/>
           <a:stretch>
             <a:fillRect/>
           </a:stretch>
@@ -5543,7 +5518,7 @@
           <p:nvPr/>
         </p:nvPicPr>
         <p:blipFill>
-          <a:blip r:embed="rId5"/>
+          <a:blip r:embed="rId3"/>
           <a:srcRect/>
           <a:stretch>
             <a:fillRect/>
@@ -5568,7 +5543,7 @@
           <p:nvPr/>
         </p:nvPicPr>
         <p:blipFill>
-          <a:blip r:embed="rId6"/>
+          <a:blip r:embed="rId4"/>
           <a:srcRect/>
           <a:stretch>
             <a:fillRect/>
@@ -5593,7 +5568,7 @@
           <p:nvPr/>
         </p:nvPicPr>
         <p:blipFill>
-          <a:blip r:embed="rId7"/>
+          <a:blip r:embed="rId5"/>
           <a:srcRect/>
           <a:stretch>
             <a:fillRect/>
@@ -6397,14 +6372,6 @@
               </a:rPr>
               <a:t>）</a:t>
             </a:r>
-            <a:r>
-              <a:rPr kumimoji="0" lang="zh-CN" altLang="en-US" sz="2000" dirty="0" smtClean="0">
-                <a:solidFill>
-                  <a:schemeClr val="tx1"/>
-                </a:solidFill>
-              </a:rPr>
-              <a:t/>
-            </a:r>
             <a:br>
               <a:rPr kumimoji="0" lang="zh-CN" altLang="en-US" sz="2000" dirty="0" smtClean="0">
                 <a:solidFill>
@@ -6412,14 +6379,6 @@
                 </a:solidFill>
               </a:rPr>
             </a:br>
-            <a:r>
-              <a:rPr kumimoji="0" lang="zh-CN" altLang="en-US" sz="2000" dirty="0" smtClean="0">
-                <a:solidFill>
-                  <a:schemeClr val="tx1"/>
-                </a:solidFill>
-              </a:rPr>
-              <a:t/>
-            </a:r>
             <a:br>
               <a:rPr kumimoji="0" lang="zh-CN" altLang="en-US" sz="2000" dirty="0" smtClean="0">
                 <a:solidFill>
@@ -6427,14 +6386,6 @@
                 </a:solidFill>
               </a:rPr>
             </a:br>
-            <a:r>
-              <a:rPr kumimoji="0" lang="zh-CN" altLang="en-US" sz="2000" dirty="0" smtClean="0">
-                <a:solidFill>
-                  <a:schemeClr val="tx1"/>
-                </a:solidFill>
-              </a:rPr>
-              <a:t/>
-            </a:r>
             <a:br>
               <a:rPr kumimoji="0" lang="zh-CN" altLang="en-US" sz="2000" dirty="0" smtClean="0">
                 <a:solidFill>
@@ -6442,14 +6393,6 @@
                 </a:solidFill>
               </a:rPr>
             </a:br>
-            <a:r>
-              <a:rPr kumimoji="0" lang="zh-CN" altLang="en-US" sz="2000" dirty="0" smtClean="0">
-                <a:solidFill>
-                  <a:schemeClr val="tx1"/>
-                </a:solidFill>
-              </a:rPr>
-              <a:t/>
-            </a:r>
             <a:br>
               <a:rPr kumimoji="0" lang="zh-CN" altLang="en-US" sz="2000" dirty="0" smtClean="0">
                 <a:solidFill>
@@ -6457,14 +6400,6 @@
                 </a:solidFill>
               </a:rPr>
             </a:br>
-            <a:r>
-              <a:rPr kumimoji="0" lang="zh-CN" altLang="en-US" sz="2000" dirty="0" smtClean="0">
-                <a:solidFill>
-                  <a:schemeClr val="tx1"/>
-                </a:solidFill>
-              </a:rPr>
-              <a:t/>
-            </a:r>
             <a:br>
               <a:rPr kumimoji="0" lang="zh-CN" altLang="en-US" sz="2000" dirty="0" smtClean="0">
                 <a:solidFill>
@@ -6472,14 +6407,6 @@
                 </a:solidFill>
               </a:rPr>
             </a:br>
-            <a:r>
-              <a:rPr kumimoji="0" lang="zh-CN" altLang="en-US" sz="2000" dirty="0" smtClean="0">
-                <a:solidFill>
-                  <a:schemeClr val="tx1"/>
-                </a:solidFill>
-              </a:rPr>
-              <a:t/>
-            </a:r>
             <a:br>
               <a:rPr kumimoji="0" lang="zh-CN" altLang="en-US" sz="2000" dirty="0" smtClean="0">
                 <a:solidFill>
@@ -6487,14 +6414,6 @@
                 </a:solidFill>
               </a:rPr>
             </a:br>
-            <a:r>
-              <a:rPr kumimoji="0" lang="zh-CN" altLang="en-US" sz="2000" dirty="0" smtClean="0">
-                <a:solidFill>
-                  <a:schemeClr val="tx1"/>
-                </a:solidFill>
-              </a:rPr>
-              <a:t/>
-            </a:r>
             <a:br>
               <a:rPr kumimoji="0" lang="zh-CN" altLang="en-US" sz="2000" dirty="0" smtClean="0">
                 <a:solidFill>
@@ -6502,14 +6421,6 @@
                 </a:solidFill>
               </a:rPr>
             </a:br>
-            <a:r>
-              <a:rPr kumimoji="0" lang="zh-CN" altLang="en-US" sz="2000" dirty="0" smtClean="0">
-                <a:solidFill>
-                  <a:schemeClr val="tx1"/>
-                </a:solidFill>
-              </a:rPr>
-              <a:t/>
-            </a:r>
             <a:br>
               <a:rPr kumimoji="0" lang="zh-CN" altLang="en-US" sz="2000" dirty="0" smtClean="0">
                 <a:solidFill>
@@ -6601,7 +6512,7 @@
           <p:nvPr/>
         </p:nvPicPr>
         <p:blipFill>
-          <a:blip r:embed="rId3"/>
+          <a:blip r:embed="rId1"/>
           <a:stretch>
             <a:fillRect/>
           </a:stretch>
@@ -6625,7 +6536,7 @@
           <p:nvPr/>
         </p:nvPicPr>
         <p:blipFill>
-          <a:blip r:embed="rId4"/>
+          <a:blip r:embed="rId2"/>
           <a:srcRect/>
           <a:stretch>
             <a:fillRect/>
@@ -6749,7 +6660,7 @@
           <p:nvPr/>
         </p:nvPicPr>
         <p:blipFill>
-          <a:blip r:embed="rId5"/>
+          <a:blip r:embed="rId3"/>
           <a:srcRect/>
           <a:stretch>
             <a:fillRect/>
@@ -6774,7 +6685,7 @@
           <p:nvPr/>
         </p:nvPicPr>
         <p:blipFill>
-          <a:blip r:embed="rId6"/>
+          <a:blip r:embed="rId4"/>
           <a:srcRect/>
           <a:stretch>
             <a:fillRect/>
@@ -6799,7 +6710,7 @@
           <p:nvPr/>
         </p:nvPicPr>
         <p:blipFill>
-          <a:blip r:embed="rId7"/>
+          <a:blip r:embed="rId5"/>
           <a:srcRect/>
           <a:stretch>
             <a:fillRect/>
@@ -7674,6 +7585,11 @@
               </a:rPr>
               <a:t>函数的定义与调用</a:t>
             </a:r>
+            <a:endParaRPr lang="zh-CN" altLang="en-US" sz="2800" b="1">
+              <a:solidFill>
+                <a:schemeClr val="tx1"/>
+              </a:solidFill>
+            </a:endParaRPr>
           </a:p>
           <a:p>
             <a:pPr algn="l">
@@ -7700,6 +7616,11 @@
               </a:rPr>
               <a:t>调用参数的数量问题详解</a:t>
             </a:r>
+            <a:endParaRPr lang="zh-CN" altLang="en-US" sz="2800" b="1">
+              <a:solidFill>
+                <a:schemeClr val="tx1"/>
+              </a:solidFill>
+            </a:endParaRPr>
           </a:p>
           <a:p>
             <a:pPr algn="l">
@@ -7727,6 +7648,12 @@
               </a:rPr>
               <a:t>参数类型与传递方式（值、引用）</a:t>
             </a:r>
+            <a:endParaRPr lang="zh-CN" altLang="en-US" sz="2800" b="1">
+              <a:solidFill>
+                <a:schemeClr val="tx1"/>
+              </a:solidFill>
+              <a:sym typeface="+mn-ea"/>
+            </a:endParaRPr>
           </a:p>
         </p:txBody>
       </p:sp>
@@ -7993,7 +7920,7 @@
           <p:nvPr/>
         </p:nvPicPr>
         <p:blipFill>
-          <a:blip r:embed="rId2" cstate="print">
+          <a:blip r:embed="rId1" cstate="print">
             <a:extLst>
               <a:ext uri="{28A0092B-C50C-407E-A947-70E740481C1C}">
                 <a14:useLocalDpi xmlns:a14="http://schemas.microsoft.com/office/drawing/2010/main" val="0"/>
@@ -8088,7 +8015,7 @@
                   <a:schemeClr val="tx2"/>
                 </a:solidFill>
               </a:rPr>
-              <a:t>Have a</a:t>
+              <a:t>Thank</a:t>
             </a:r>
             <a:r>
               <a:rPr lang="en-US" altLang="zh-CN" sz="5400">
@@ -8096,7 +8023,7 @@
                   <a:schemeClr val="accent3"/>
                 </a:solidFill>
               </a:rPr>
-              <a:t> Break</a:t>
+              <a:t> You</a:t>
             </a:r>
             <a:r>
               <a:rPr lang="zh-CN" altLang="en-US" sz="5400">
@@ -8106,6 +8033,11 @@
               </a:rPr>
               <a:t>！</a:t>
             </a:r>
+            <a:endParaRPr lang="zh-CN" altLang="en-US" sz="5400">
+              <a:solidFill>
+                <a:schemeClr val="tx2"/>
+              </a:solidFill>
+            </a:endParaRPr>
           </a:p>
         </p:txBody>
       </p:sp>
@@ -8118,7 +8050,7 @@
           <p:nvPr/>
         </p:nvPicPr>
         <p:blipFill>
-          <a:blip r:embed="rId3" cstate="print">
+          <a:blip r:embed="rId2" cstate="print">
             <a:extLst>
               <a:ext uri="{28A0092B-C50C-407E-A947-70E740481C1C}">
                 <a14:useLocalDpi xmlns:a14="http://schemas.microsoft.com/office/drawing/2010/main" val="0"/>
@@ -8365,6 +8297,11 @@
               </a:rPr>
               <a:t>函数的定义与调用</a:t>
             </a:r>
+            <a:endParaRPr lang="zh-CN" altLang="en-US" sz="2800" b="1">
+              <a:solidFill>
+                <a:schemeClr val="accent3"/>
+              </a:solidFill>
+            </a:endParaRPr>
           </a:p>
           <a:p>
             <a:pPr algn="l">
@@ -8391,6 +8328,11 @@
               </a:rPr>
               <a:t>函数参数的数量问题</a:t>
             </a:r>
+            <a:endParaRPr lang="zh-CN" altLang="en-US" sz="2800" b="1">
+              <a:solidFill>
+                <a:schemeClr val="tx1"/>
+              </a:solidFill>
+            </a:endParaRPr>
           </a:p>
           <a:p>
             <a:pPr algn="l">
@@ -8418,6 +8360,12 @@
               </a:rPr>
               <a:t>参数类型与传递方式（值、引用）</a:t>
             </a:r>
+            <a:endParaRPr lang="zh-CN" altLang="en-US" sz="2800" b="1">
+              <a:solidFill>
+                <a:schemeClr val="tx1"/>
+              </a:solidFill>
+              <a:sym typeface="+mn-ea"/>
+            </a:endParaRPr>
           </a:p>
         </p:txBody>
       </p:sp>
@@ -8968,14 +8916,6 @@
                 <a:sym typeface="+mn-ea"/>
               </a:rPr>
             </a:br>
-            <a:r>
-              <a:rPr kumimoji="0" lang="zh-CN" altLang="en-US" sz="2000" dirty="0" smtClean="0">
-                <a:solidFill>
-                  <a:schemeClr val="tx1"/>
-                </a:solidFill>
-              </a:rPr>
-              <a:t/>
-            </a:r>
             <a:br>
               <a:rPr kumimoji="0" lang="zh-CN" altLang="en-US" sz="2000" dirty="0" smtClean="0">
                 <a:solidFill>
@@ -8983,14 +8923,6 @@
                 </a:solidFill>
               </a:rPr>
             </a:br>
-            <a:r>
-              <a:rPr kumimoji="0" lang="zh-CN" altLang="en-US" sz="2000" dirty="0" smtClean="0">
-                <a:solidFill>
-                  <a:schemeClr val="tx1"/>
-                </a:solidFill>
-              </a:rPr>
-              <a:t/>
-            </a:r>
             <a:br>
               <a:rPr kumimoji="0" lang="zh-CN" altLang="en-US" sz="2000" dirty="0" smtClean="0">
                 <a:solidFill>
@@ -8998,14 +8930,6 @@
                 </a:solidFill>
               </a:rPr>
             </a:br>
-            <a:r>
-              <a:rPr kumimoji="0" lang="zh-CN" altLang="en-US" sz="2000" dirty="0" smtClean="0">
-                <a:solidFill>
-                  <a:schemeClr val="tx1"/>
-                </a:solidFill>
-              </a:rPr>
-              <a:t/>
-            </a:r>
             <a:br>
               <a:rPr kumimoji="0" lang="zh-CN" altLang="en-US" sz="2000" dirty="0" smtClean="0">
                 <a:solidFill>
@@ -9013,14 +8937,6 @@
                 </a:solidFill>
               </a:rPr>
             </a:br>
-            <a:r>
-              <a:rPr kumimoji="0" lang="zh-CN" altLang="en-US" sz="2000" dirty="0" smtClean="0">
-                <a:solidFill>
-                  <a:schemeClr val="tx1"/>
-                </a:solidFill>
-              </a:rPr>
-              <a:t/>
-            </a:r>
             <a:br>
               <a:rPr kumimoji="0" lang="zh-CN" altLang="en-US" sz="2000" dirty="0" smtClean="0">
                 <a:solidFill>
@@ -9028,14 +8944,6 @@
                 </a:solidFill>
               </a:rPr>
             </a:br>
-            <a:r>
-              <a:rPr kumimoji="0" lang="zh-CN" altLang="en-US" sz="2000" dirty="0" smtClean="0">
-                <a:solidFill>
-                  <a:schemeClr val="tx1"/>
-                </a:solidFill>
-              </a:rPr>
-              <a:t/>
-            </a:r>
             <a:br>
               <a:rPr kumimoji="0" lang="zh-CN" altLang="en-US" sz="2000" dirty="0" smtClean="0">
                 <a:solidFill>
@@ -9043,14 +8951,6 @@
                 </a:solidFill>
               </a:rPr>
             </a:br>
-            <a:r>
-              <a:rPr kumimoji="0" lang="zh-CN" altLang="en-US" sz="2000" dirty="0" smtClean="0">
-                <a:solidFill>
-                  <a:schemeClr val="tx1"/>
-                </a:solidFill>
-              </a:rPr>
-              <a:t/>
-            </a:r>
             <a:br>
               <a:rPr kumimoji="0" lang="zh-CN" altLang="en-US" sz="2000" dirty="0" smtClean="0">
                 <a:solidFill>
@@ -9058,14 +8958,6 @@
                 </a:solidFill>
               </a:rPr>
             </a:br>
-            <a:r>
-              <a:rPr kumimoji="0" lang="zh-CN" altLang="en-US" sz="2000" dirty="0" smtClean="0">
-                <a:solidFill>
-                  <a:schemeClr val="tx1"/>
-                </a:solidFill>
-              </a:rPr>
-              <a:t/>
-            </a:r>
             <a:br>
               <a:rPr kumimoji="0" lang="zh-CN" altLang="en-US" sz="2000" dirty="0" smtClean="0">
                 <a:solidFill>
@@ -9073,14 +8965,6 @@
                 </a:solidFill>
               </a:rPr>
             </a:br>
-            <a:r>
-              <a:rPr kumimoji="0" lang="zh-CN" altLang="en-US" sz="2000" dirty="0" smtClean="0">
-                <a:solidFill>
-                  <a:schemeClr val="tx1"/>
-                </a:solidFill>
-              </a:rPr>
-              <a:t/>
-            </a:r>
             <a:br>
               <a:rPr kumimoji="0" lang="zh-CN" altLang="en-US" sz="2000" dirty="0" smtClean="0">
                 <a:solidFill>
@@ -9144,6 +9028,7 @@
               <a:rPr kumimoji="0" lang="zh-CN" altLang="en-US" dirty="0"/>
               <a:t>函数的定义与调用</a:t>
             </a:r>
+            <a:endParaRPr kumimoji="0" lang="zh-CN" altLang="en-US" dirty="0"/>
           </a:p>
         </p:txBody>
       </p:sp>
@@ -9156,7 +9041,7 @@
           <p:nvPr/>
         </p:nvPicPr>
         <p:blipFill>
-          <a:blip r:embed="rId3"/>
+          <a:blip r:embed="rId1"/>
           <a:stretch>
             <a:fillRect/>
           </a:stretch>
@@ -9180,7 +9065,7 @@
           <p:nvPr/>
         </p:nvPicPr>
         <p:blipFill>
-          <a:blip r:embed="rId4"/>
+          <a:blip r:embed="rId2"/>
           <a:srcRect b="-1311"/>
           <a:stretch>
             <a:fillRect/>
@@ -9205,7 +9090,7 @@
           <p:nvPr/>
         </p:nvPicPr>
         <p:blipFill>
-          <a:blip r:embed="rId5"/>
+          <a:blip r:embed="rId3"/>
           <a:stretch>
             <a:fillRect/>
           </a:stretch>
@@ -9273,6 +9158,13 @@
               </a:rPr>
               <a:t>匿名函数与非匿名函数对比</a:t>
             </a:r>
+            <a:endParaRPr lang="zh-CN" altLang="en-US" sz="2200">
+              <a:solidFill>
+                <a:srgbClr val="FF0000"/>
+              </a:solidFill>
+              <a:latin typeface="+mn-ea"/>
+              <a:ea typeface="+mn-ea"/>
+            </a:endParaRPr>
           </a:p>
           <a:p>
             <a:pPr algn="l"/>
@@ -9306,6 +9198,13 @@
               </a:rPr>
               <a:t>读取文件和配置函数对象实例</a:t>
             </a:r>
+            <a:endParaRPr lang="zh-CN" altLang="en-US" sz="2200">
+              <a:solidFill>
+                <a:srgbClr val="FF0000"/>
+              </a:solidFill>
+              <a:latin typeface="+mn-ea"/>
+              <a:ea typeface="+mn-ea"/>
+            </a:endParaRPr>
           </a:p>
         </p:txBody>
       </p:sp>
@@ -9995,15 +9894,6 @@
               </a:rPr>
               <a:t>）</a:t>
             </a:r>
-            <a:r>
-              <a:rPr kumimoji="0" lang="zh-CN" altLang="en-US" sz="2000" dirty="0" smtClean="0">
-                <a:solidFill>
-                  <a:schemeClr val="tx1"/>
-                </a:solidFill>
-                <a:sym typeface="+mn-ea"/>
-              </a:rPr>
-              <a:t/>
-            </a:r>
             <a:br>
               <a:rPr kumimoji="0" lang="zh-CN" altLang="en-US" sz="2000" dirty="0" smtClean="0">
                 <a:solidFill>
@@ -10084,15 +9974,6 @@
               </a:rPr>
               <a:t>）</a:t>
             </a:r>
-            <a:r>
-              <a:rPr kumimoji="0" lang="zh-CN" altLang="en-US" sz="2000" dirty="0" smtClean="0">
-                <a:solidFill>
-                  <a:schemeClr val="tx1"/>
-                </a:solidFill>
-                <a:sym typeface="+mn-ea"/>
-              </a:rPr>
-              <a:t/>
-            </a:r>
             <a:br>
               <a:rPr kumimoji="0" lang="zh-CN" altLang="en-US" sz="2000" dirty="0" smtClean="0">
                 <a:solidFill>
@@ -10325,14 +10206,6 @@
               </a:rPr>
               <a:t>）</a:t>
             </a:r>
-            <a:r>
-              <a:rPr kumimoji="0" lang="zh-CN" altLang="en-US" sz="2000" dirty="0" smtClean="0">
-                <a:solidFill>
-                  <a:schemeClr val="tx1"/>
-                </a:solidFill>
-              </a:rPr>
-              <a:t/>
-            </a:r>
             <a:br>
               <a:rPr kumimoji="0" lang="zh-CN" altLang="en-US" sz="2000" dirty="0" smtClean="0">
                 <a:solidFill>
@@ -10340,14 +10213,6 @@
                 </a:solidFill>
               </a:rPr>
             </a:br>
-            <a:r>
-              <a:rPr kumimoji="0" lang="zh-CN" altLang="en-US" sz="2000" dirty="0" smtClean="0">
-                <a:solidFill>
-                  <a:schemeClr val="tx1"/>
-                </a:solidFill>
-              </a:rPr>
-              <a:t/>
-            </a:r>
             <a:br>
               <a:rPr kumimoji="0" lang="zh-CN" altLang="en-US" sz="2000" dirty="0" smtClean="0">
                 <a:solidFill>
@@ -10355,14 +10220,6 @@
                 </a:solidFill>
               </a:rPr>
             </a:br>
-            <a:r>
-              <a:rPr kumimoji="0" lang="zh-CN" altLang="en-US" sz="2000" dirty="0" smtClean="0">
-                <a:solidFill>
-                  <a:schemeClr val="tx1"/>
-                </a:solidFill>
-              </a:rPr>
-              <a:t/>
-            </a:r>
             <a:br>
               <a:rPr kumimoji="0" lang="zh-CN" altLang="en-US" sz="2000" dirty="0" smtClean="0">
                 <a:solidFill>
@@ -10370,14 +10227,6 @@
                 </a:solidFill>
               </a:rPr>
             </a:br>
-            <a:r>
-              <a:rPr kumimoji="0" lang="zh-CN" altLang="en-US" sz="2000" dirty="0" smtClean="0">
-                <a:solidFill>
-                  <a:schemeClr val="tx1"/>
-                </a:solidFill>
-              </a:rPr>
-              <a:t/>
-            </a:r>
             <a:br>
               <a:rPr kumimoji="0" lang="zh-CN" altLang="en-US" sz="2000" dirty="0" smtClean="0">
                 <a:solidFill>
@@ -10385,14 +10234,6 @@
                 </a:solidFill>
               </a:rPr>
             </a:br>
-            <a:r>
-              <a:rPr kumimoji="0" lang="zh-CN" altLang="en-US" sz="2000" dirty="0" smtClean="0">
-                <a:solidFill>
-                  <a:schemeClr val="tx1"/>
-                </a:solidFill>
-              </a:rPr>
-              <a:t/>
-            </a:r>
             <a:br>
               <a:rPr kumimoji="0" lang="zh-CN" altLang="en-US" sz="2000" dirty="0" smtClean="0">
                 <a:solidFill>
@@ -10400,14 +10241,6 @@
                 </a:solidFill>
               </a:rPr>
             </a:br>
-            <a:r>
-              <a:rPr kumimoji="0" lang="zh-CN" altLang="en-US" sz="2000" dirty="0" smtClean="0">
-                <a:solidFill>
-                  <a:schemeClr val="tx1"/>
-                </a:solidFill>
-              </a:rPr>
-              <a:t/>
-            </a:r>
             <a:br>
               <a:rPr kumimoji="0" lang="zh-CN" altLang="en-US" sz="2000" dirty="0" smtClean="0">
                 <a:solidFill>
@@ -10415,14 +10248,6 @@
                 </a:solidFill>
               </a:rPr>
             </a:br>
-            <a:r>
-              <a:rPr kumimoji="0" lang="zh-CN" altLang="en-US" sz="2000" dirty="0" smtClean="0">
-                <a:solidFill>
-                  <a:schemeClr val="tx1"/>
-                </a:solidFill>
-              </a:rPr>
-              <a:t/>
-            </a:r>
             <a:br>
               <a:rPr kumimoji="0" lang="zh-CN" altLang="en-US" sz="2000" dirty="0" smtClean="0">
                 <a:solidFill>
@@ -10430,14 +10255,6 @@
                 </a:solidFill>
               </a:rPr>
             </a:br>
-            <a:r>
-              <a:rPr kumimoji="0" lang="zh-CN" altLang="en-US" sz="2000" dirty="0" smtClean="0">
-                <a:solidFill>
-                  <a:schemeClr val="tx1"/>
-                </a:solidFill>
-              </a:rPr>
-              <a:t/>
-            </a:r>
             <a:br>
               <a:rPr kumimoji="0" lang="zh-CN" altLang="en-US" sz="2000" dirty="0" smtClean="0">
                 <a:solidFill>
@@ -10501,6 +10318,7 @@
               <a:rPr kumimoji="0" lang="zh-CN" altLang="en-US" dirty="0"/>
               <a:t>函数的定义与调用</a:t>
             </a:r>
+            <a:endParaRPr kumimoji="0" lang="zh-CN" altLang="en-US" dirty="0"/>
           </a:p>
         </p:txBody>
       </p:sp>
@@ -10513,7 +10331,7 @@
           <p:nvPr/>
         </p:nvPicPr>
         <p:blipFill>
-          <a:blip r:embed="rId3"/>
+          <a:blip r:embed="rId1"/>
           <a:srcRect b="7312"/>
           <a:stretch>
             <a:fillRect/>
@@ -10538,7 +10356,7 @@
           <p:nvPr/>
         </p:nvPicPr>
         <p:blipFill>
-          <a:blip r:embed="rId4"/>
+          <a:blip r:embed="rId2"/>
           <a:stretch>
             <a:fillRect/>
           </a:stretch>
@@ -10606,6 +10424,13 @@
               </a:rPr>
               <a:t> 函数嵌套情况下的调用</a:t>
             </a:r>
+            <a:endParaRPr lang="zh-CN" altLang="en-US" sz="2200">
+              <a:solidFill>
+                <a:srgbClr val="FF0000"/>
+              </a:solidFill>
+              <a:latin typeface="+mn-ea"/>
+              <a:ea typeface="+mn-ea"/>
+            </a:endParaRPr>
           </a:p>
         </p:txBody>
       </p:sp>
@@ -11186,15 +11011,6 @@
               </a:rPr>
               <a:t>）</a:t>
             </a:r>
-            <a:r>
-              <a:rPr kumimoji="0" lang="zh-CN" altLang="en-US" sz="2000" dirty="0" smtClean="0">
-                <a:solidFill>
-                  <a:schemeClr val="tx1"/>
-                </a:solidFill>
-                <a:sym typeface="+mn-ea"/>
-              </a:rPr>
-              <a:t/>
-            </a:r>
             <a:br>
               <a:rPr kumimoji="0" lang="zh-CN" altLang="en-US" sz="2000" dirty="0" smtClean="0">
                 <a:solidFill>
@@ -11275,15 +11091,6 @@
               </a:rPr>
               <a:t>）</a:t>
             </a:r>
-            <a:r>
-              <a:rPr kumimoji="0" lang="zh-CN" altLang="en-US" sz="2000" dirty="0" smtClean="0">
-                <a:solidFill>
-                  <a:schemeClr val="tx1"/>
-                </a:solidFill>
-                <a:sym typeface="+mn-ea"/>
-              </a:rPr>
-              <a:t/>
-            </a:r>
             <a:br>
               <a:rPr kumimoji="0" lang="zh-CN" altLang="en-US" sz="2000" dirty="0" smtClean="0">
                 <a:solidFill>
@@ -11516,14 +11323,6 @@
               </a:rPr>
               <a:t>）</a:t>
             </a:r>
-            <a:r>
-              <a:rPr kumimoji="0" lang="zh-CN" altLang="en-US" sz="2000" dirty="0" smtClean="0">
-                <a:solidFill>
-                  <a:schemeClr val="tx1"/>
-                </a:solidFill>
-              </a:rPr>
-              <a:t/>
-            </a:r>
             <a:br>
               <a:rPr kumimoji="0" lang="zh-CN" altLang="en-US" sz="2000" dirty="0" smtClean="0">
                 <a:solidFill>
@@ -11531,14 +11330,6 @@
                 </a:solidFill>
               </a:rPr>
             </a:br>
-            <a:r>
-              <a:rPr kumimoji="0" lang="zh-CN" altLang="en-US" sz="2000" dirty="0" smtClean="0">
-                <a:solidFill>
-                  <a:schemeClr val="tx1"/>
-                </a:solidFill>
-              </a:rPr>
-              <a:t/>
-            </a:r>
             <a:br>
               <a:rPr kumimoji="0" lang="zh-CN" altLang="en-US" sz="2000" dirty="0" smtClean="0">
                 <a:solidFill>
@@ -11546,14 +11337,6 @@
                 </a:solidFill>
               </a:rPr>
             </a:br>
-            <a:r>
-              <a:rPr kumimoji="0" lang="zh-CN" altLang="en-US" sz="2000" dirty="0" smtClean="0">
-                <a:solidFill>
-                  <a:schemeClr val="tx1"/>
-                </a:solidFill>
-              </a:rPr>
-              <a:t/>
-            </a:r>
             <a:br>
               <a:rPr kumimoji="0" lang="zh-CN" altLang="en-US" sz="2000" dirty="0" smtClean="0">
                 <a:solidFill>
@@ -11561,14 +11344,6 @@
                 </a:solidFill>
               </a:rPr>
             </a:br>
-            <a:r>
-              <a:rPr kumimoji="0" lang="zh-CN" altLang="en-US" sz="2000" dirty="0" smtClean="0">
-                <a:solidFill>
-                  <a:schemeClr val="tx1"/>
-                </a:solidFill>
-              </a:rPr>
-              <a:t/>
-            </a:r>
             <a:br>
               <a:rPr kumimoji="0" lang="zh-CN" altLang="en-US" sz="2000" dirty="0" smtClean="0">
                 <a:solidFill>
@@ -11576,14 +11351,6 @@
                 </a:solidFill>
               </a:rPr>
             </a:br>
-            <a:r>
-              <a:rPr kumimoji="0" lang="zh-CN" altLang="en-US" sz="2000" dirty="0" smtClean="0">
-                <a:solidFill>
-                  <a:schemeClr val="tx1"/>
-                </a:solidFill>
-              </a:rPr>
-              <a:t/>
-            </a:r>
             <a:br>
               <a:rPr kumimoji="0" lang="zh-CN" altLang="en-US" sz="2000" dirty="0" smtClean="0">
                 <a:solidFill>
@@ -11591,14 +11358,6 @@
                 </a:solidFill>
               </a:rPr>
             </a:br>
-            <a:r>
-              <a:rPr kumimoji="0" lang="zh-CN" altLang="en-US" sz="2000" dirty="0" smtClean="0">
-                <a:solidFill>
-                  <a:schemeClr val="tx1"/>
-                </a:solidFill>
-              </a:rPr>
-              <a:t/>
-            </a:r>
             <a:br>
               <a:rPr kumimoji="0" lang="zh-CN" altLang="en-US" sz="2000" dirty="0" smtClean="0">
                 <a:solidFill>
@@ -11606,14 +11365,6 @@
                 </a:solidFill>
               </a:rPr>
             </a:br>
-            <a:r>
-              <a:rPr kumimoji="0" lang="zh-CN" altLang="en-US" sz="2000" dirty="0" smtClean="0">
-                <a:solidFill>
-                  <a:schemeClr val="tx1"/>
-                </a:solidFill>
-              </a:rPr>
-              <a:t/>
-            </a:r>
             <a:br>
               <a:rPr kumimoji="0" lang="zh-CN" altLang="en-US" sz="2000" dirty="0" smtClean="0">
                 <a:solidFill>
@@ -11621,14 +11372,6 @@
                 </a:solidFill>
               </a:rPr>
             </a:br>
-            <a:r>
-              <a:rPr kumimoji="0" lang="zh-CN" altLang="en-US" sz="2000" dirty="0" smtClean="0">
-                <a:solidFill>
-                  <a:schemeClr val="tx1"/>
-                </a:solidFill>
-              </a:rPr>
-              <a:t/>
-            </a:r>
             <a:br>
               <a:rPr kumimoji="0" lang="zh-CN" altLang="en-US" sz="2000" dirty="0" smtClean="0">
                 <a:solidFill>
@@ -11692,6 +11435,7 @@
               <a:rPr kumimoji="0" lang="zh-CN" altLang="en-US" dirty="0"/>
               <a:t>函数的定义与调用</a:t>
             </a:r>
+            <a:endParaRPr kumimoji="0" lang="zh-CN" altLang="en-US" dirty="0"/>
           </a:p>
         </p:txBody>
       </p:sp>
@@ -11704,7 +11448,7 @@
           <p:nvPr/>
         </p:nvPicPr>
         <p:blipFill>
-          <a:blip r:embed="rId3"/>
+          <a:blip r:embed="rId1"/>
           <a:srcRect/>
           <a:stretch>
             <a:fillRect/>
@@ -11729,7 +11473,7 @@
           <p:nvPr/>
         </p:nvPicPr>
         <p:blipFill>
-          <a:blip r:embed="rId4"/>
+          <a:blip r:embed="rId2"/>
           <a:srcRect/>
           <a:stretch>
             <a:fillRect/>
@@ -11818,6 +11562,13 @@
               </a:rPr>
               <a:t>实例</a:t>
             </a:r>
+            <a:endParaRPr lang="zh-CN" altLang="en-US" sz="2200">
+              <a:solidFill>
+                <a:srgbClr val="FF0000"/>
+              </a:solidFill>
+              <a:latin typeface="+mn-ea"/>
+              <a:ea typeface="+mn-ea"/>
+            </a:endParaRPr>
           </a:p>
         </p:txBody>
       </p:sp>
@@ -12313,6 +12064,11 @@
               </a:rPr>
               <a:t>函数的定义与调用</a:t>
             </a:r>
+            <a:endParaRPr lang="zh-CN" altLang="en-US" sz="2800" b="1">
+              <a:solidFill>
+                <a:schemeClr val="tx1"/>
+              </a:solidFill>
+            </a:endParaRPr>
           </a:p>
           <a:p>
             <a:pPr algn="l">
@@ -12339,6 +12095,11 @@
               </a:rPr>
               <a:t>函数参数的数量问题</a:t>
             </a:r>
+            <a:endParaRPr lang="zh-CN" altLang="en-US" sz="2800" b="1">
+              <a:solidFill>
+                <a:schemeClr val="accent3"/>
+              </a:solidFill>
+            </a:endParaRPr>
           </a:p>
           <a:p>
             <a:pPr algn="l">
@@ -12366,6 +12127,12 @@
               </a:rPr>
               <a:t>参数类型与传递方式（值、引用）</a:t>
             </a:r>
+            <a:endParaRPr lang="zh-CN" altLang="en-US" sz="2800" b="1">
+              <a:solidFill>
+                <a:schemeClr val="tx1"/>
+              </a:solidFill>
+              <a:sym typeface="+mn-ea"/>
+            </a:endParaRPr>
           </a:p>
         </p:txBody>
       </p:sp>
@@ -12686,15 +12453,6 @@
               </a:rPr>
               <a:t>函数调用时实参数量可以与形参不一致</a:t>
             </a:r>
-            <a:r>
-              <a:rPr lang="zh-CN" altLang="en-US" sz="2000" dirty="0" smtClean="0">
-                <a:solidFill>
-                  <a:srgbClr val="000000"/>
-                </a:solidFill>
-                <a:sym typeface="+mn-ea"/>
-              </a:rPr>
-              <a:t/>
-            </a:r>
             <a:br>
               <a:rPr lang="zh-CN" altLang="en-US" sz="2000" dirty="0" smtClean="0">
                 <a:solidFill>
@@ -12855,14 +12613,6 @@
               </a:rPr>
               <a:t>来给出默认值）</a:t>
             </a:r>
-            <a:r>
-              <a:rPr kumimoji="0" lang="zh-CN" altLang="en-US" sz="2000" dirty="0" smtClean="0">
-                <a:solidFill>
-                  <a:schemeClr val="tx1"/>
-                </a:solidFill>
-              </a:rPr>
-              <a:t/>
-            </a:r>
             <a:br>
               <a:rPr kumimoji="0" lang="zh-CN" altLang="en-US" sz="2000" dirty="0" smtClean="0">
                 <a:solidFill>
@@ -12870,14 +12620,6 @@
                 </a:solidFill>
               </a:rPr>
             </a:br>
-            <a:r>
-              <a:rPr kumimoji="0" lang="zh-CN" altLang="en-US" sz="2000" dirty="0" smtClean="0">
-                <a:solidFill>
-                  <a:schemeClr val="tx1"/>
-                </a:solidFill>
-              </a:rPr>
-              <a:t/>
-            </a:r>
             <a:br>
               <a:rPr kumimoji="0" lang="zh-CN" altLang="en-US" sz="2000" dirty="0" smtClean="0">
                 <a:solidFill>
@@ -12885,14 +12627,6 @@
                 </a:solidFill>
               </a:rPr>
             </a:br>
-            <a:r>
-              <a:rPr kumimoji="0" lang="zh-CN" altLang="en-US" sz="2000" dirty="0" smtClean="0">
-                <a:solidFill>
-                  <a:schemeClr val="tx1"/>
-                </a:solidFill>
-              </a:rPr>
-              <a:t/>
-            </a:r>
             <a:br>
               <a:rPr kumimoji="0" lang="zh-CN" altLang="en-US" sz="2000" dirty="0" smtClean="0">
                 <a:solidFill>
@@ -12900,14 +12634,6 @@
                 </a:solidFill>
               </a:rPr>
             </a:br>
-            <a:r>
-              <a:rPr kumimoji="0" lang="zh-CN" altLang="en-US" sz="2000" dirty="0" smtClean="0">
-                <a:solidFill>
-                  <a:schemeClr val="tx1"/>
-                </a:solidFill>
-              </a:rPr>
-              <a:t/>
-            </a:r>
             <a:br>
               <a:rPr kumimoji="0" lang="zh-CN" altLang="en-US" sz="2000" dirty="0" smtClean="0">
                 <a:solidFill>
@@ -12915,14 +12641,6 @@
                 </a:solidFill>
               </a:rPr>
             </a:br>
-            <a:r>
-              <a:rPr kumimoji="0" lang="zh-CN" altLang="en-US" sz="2000" dirty="0" smtClean="0">
-                <a:solidFill>
-                  <a:schemeClr val="tx1"/>
-                </a:solidFill>
-              </a:rPr>
-              <a:t/>
-            </a:r>
             <a:br>
               <a:rPr kumimoji="0" lang="zh-CN" altLang="en-US" sz="2000" dirty="0" smtClean="0">
                 <a:solidFill>
@@ -12930,14 +12648,6 @@
                 </a:solidFill>
               </a:rPr>
             </a:br>
-            <a:r>
-              <a:rPr kumimoji="0" lang="zh-CN" altLang="en-US" sz="2000" dirty="0" smtClean="0">
-                <a:solidFill>
-                  <a:schemeClr val="tx1"/>
-                </a:solidFill>
-              </a:rPr>
-              <a:t/>
-            </a:r>
             <a:br>
               <a:rPr kumimoji="0" lang="zh-CN" altLang="en-US" sz="2000" dirty="0" smtClean="0">
                 <a:solidFill>
@@ -12945,14 +12655,6 @@
                 </a:solidFill>
               </a:rPr>
             </a:br>
-            <a:r>
-              <a:rPr kumimoji="0" lang="zh-CN" altLang="en-US" sz="2000" dirty="0" smtClean="0">
-                <a:solidFill>
-                  <a:schemeClr val="tx1"/>
-                </a:solidFill>
-              </a:rPr>
-              <a:t/>
-            </a:r>
             <a:br>
               <a:rPr kumimoji="0" lang="zh-CN" altLang="en-US" sz="2000" dirty="0" smtClean="0">
                 <a:solidFill>
@@ -12960,14 +12662,6 @@
                 </a:solidFill>
               </a:rPr>
             </a:br>
-            <a:r>
-              <a:rPr kumimoji="0" lang="zh-CN" altLang="en-US" sz="2000" dirty="0" smtClean="0">
-                <a:solidFill>
-                  <a:schemeClr val="tx1"/>
-                </a:solidFill>
-              </a:rPr>
-              <a:t/>
-            </a:r>
             <a:br>
               <a:rPr kumimoji="0" lang="zh-CN" altLang="en-US" sz="2000" dirty="0" smtClean="0">
                 <a:solidFill>
@@ -13031,6 +12725,7 @@
               <a:rPr kumimoji="0" lang="zh-CN" altLang="en-US" dirty="0"/>
               <a:t>调用参数的数量问题详解</a:t>
             </a:r>
+            <a:endParaRPr kumimoji="0" lang="zh-CN" altLang="en-US" dirty="0"/>
           </a:p>
         </p:txBody>
       </p:sp>
@@ -13043,7 +12738,7 @@
           <p:nvPr/>
         </p:nvPicPr>
         <p:blipFill>
-          <a:blip r:embed="rId3"/>
+          <a:blip r:embed="rId1"/>
           <a:stretch>
             <a:fillRect/>
           </a:stretch>
@@ -13111,6 +12806,13 @@
               </a:rPr>
               <a:t>实参数量大于形参数量</a:t>
             </a:r>
+            <a:endParaRPr lang="zh-CN" altLang="en-US" sz="2200">
+              <a:solidFill>
+                <a:srgbClr val="FF0000"/>
+              </a:solidFill>
+              <a:latin typeface="+mn-ea"/>
+              <a:ea typeface="+mn-ea"/>
+            </a:endParaRPr>
           </a:p>
         </p:txBody>
       </p:sp>
@@ -13511,15 +13213,6 @@
               </a:rPr>
               <a:t>函数调用时实参数量可以与形参不一致</a:t>
             </a:r>
-            <a:r>
-              <a:rPr lang="zh-CN" altLang="en-US" sz="2000" dirty="0" smtClean="0">
-                <a:solidFill>
-                  <a:srgbClr val="000000"/>
-                </a:solidFill>
-                <a:sym typeface="+mn-ea"/>
-              </a:rPr>
-              <a:t/>
-            </a:r>
             <a:br>
               <a:rPr lang="zh-CN" altLang="en-US" sz="2000" dirty="0" smtClean="0">
                 <a:solidFill>
@@ -13662,14 +13355,6 @@
               </a:rPr>
               <a:t>来给出默认值）</a:t>
             </a:r>
-            <a:r>
-              <a:rPr kumimoji="0" lang="zh-CN" altLang="en-US" sz="2000" dirty="0" smtClean="0">
-                <a:solidFill>
-                  <a:schemeClr val="tx1"/>
-                </a:solidFill>
-              </a:rPr>
-              <a:t/>
-            </a:r>
             <a:br>
               <a:rPr kumimoji="0" lang="zh-CN" altLang="en-US" sz="2000" dirty="0" smtClean="0">
                 <a:solidFill>
@@ -13677,14 +13362,6 @@
                 </a:solidFill>
               </a:rPr>
             </a:br>
-            <a:r>
-              <a:rPr kumimoji="0" lang="zh-CN" altLang="en-US" sz="2000" dirty="0" smtClean="0">
-                <a:solidFill>
-                  <a:schemeClr val="tx1"/>
-                </a:solidFill>
-              </a:rPr>
-              <a:t/>
-            </a:r>
             <a:br>
               <a:rPr kumimoji="0" lang="zh-CN" altLang="en-US" sz="2000" dirty="0" smtClean="0">
                 <a:solidFill>
@@ -13692,14 +13369,6 @@
                 </a:solidFill>
               </a:rPr>
             </a:br>
-            <a:r>
-              <a:rPr kumimoji="0" lang="zh-CN" altLang="en-US" sz="2000" dirty="0" smtClean="0">
-                <a:solidFill>
-                  <a:schemeClr val="tx1"/>
-                </a:solidFill>
-              </a:rPr>
-              <a:t/>
-            </a:r>
             <a:br>
               <a:rPr kumimoji="0" lang="zh-CN" altLang="en-US" sz="2000" dirty="0" smtClean="0">
                 <a:solidFill>
@@ -13707,14 +13376,6 @@
                 </a:solidFill>
               </a:rPr>
             </a:br>
-            <a:r>
-              <a:rPr kumimoji="0" lang="zh-CN" altLang="en-US" sz="2000" dirty="0" smtClean="0">
-                <a:solidFill>
-                  <a:schemeClr val="tx1"/>
-                </a:solidFill>
-              </a:rPr>
-              <a:t/>
-            </a:r>
             <a:br>
               <a:rPr kumimoji="0" lang="zh-CN" altLang="en-US" sz="2000" dirty="0" smtClean="0">
                 <a:solidFill>
@@ -13722,14 +13383,6 @@
                 </a:solidFill>
               </a:rPr>
             </a:br>
-            <a:r>
-              <a:rPr kumimoji="0" lang="zh-CN" altLang="en-US" sz="2000" dirty="0" smtClean="0">
-                <a:solidFill>
-                  <a:schemeClr val="tx1"/>
-                </a:solidFill>
-              </a:rPr>
-              <a:t/>
-            </a:r>
             <a:br>
               <a:rPr kumimoji="0" lang="zh-CN" altLang="en-US" sz="2000" dirty="0" smtClean="0">
                 <a:solidFill>
@@ -13737,14 +13390,6 @@
                 </a:solidFill>
               </a:rPr>
             </a:br>
-            <a:r>
-              <a:rPr kumimoji="0" lang="zh-CN" altLang="en-US" sz="2000" dirty="0" smtClean="0">
-                <a:solidFill>
-                  <a:schemeClr val="tx1"/>
-                </a:solidFill>
-              </a:rPr>
-              <a:t/>
-            </a:r>
             <a:br>
               <a:rPr kumimoji="0" lang="zh-CN" altLang="en-US" sz="2000" dirty="0" smtClean="0">
                 <a:solidFill>
@@ -13752,14 +13397,6 @@
                 </a:solidFill>
               </a:rPr>
             </a:br>
-            <a:r>
-              <a:rPr kumimoji="0" lang="zh-CN" altLang="en-US" sz="2000" dirty="0" smtClean="0">
-                <a:solidFill>
-                  <a:schemeClr val="tx1"/>
-                </a:solidFill>
-              </a:rPr>
-              <a:t/>
-            </a:r>
             <a:br>
               <a:rPr kumimoji="0" lang="zh-CN" altLang="en-US" sz="2000" dirty="0" smtClean="0">
                 <a:solidFill>
@@ -13767,14 +13404,6 @@
                 </a:solidFill>
               </a:rPr>
             </a:br>
-            <a:r>
-              <a:rPr kumimoji="0" lang="zh-CN" altLang="en-US" sz="2000" dirty="0" smtClean="0">
-                <a:solidFill>
-                  <a:schemeClr val="tx1"/>
-                </a:solidFill>
-              </a:rPr>
-              <a:t/>
-            </a:r>
             <a:br>
               <a:rPr kumimoji="0" lang="zh-CN" altLang="en-US" sz="2000" dirty="0" smtClean="0">
                 <a:solidFill>
@@ -13838,6 +13467,7 @@
               <a:rPr kumimoji="0" lang="zh-CN" altLang="en-US" dirty="0"/>
               <a:t>调用参数的数量问题详解</a:t>
             </a:r>
+            <a:endParaRPr kumimoji="0" lang="zh-CN" altLang="en-US" dirty="0"/>
           </a:p>
         </p:txBody>
       </p:sp>
@@ -13850,7 +13480,7 @@
           <p:nvPr/>
         </p:nvPicPr>
         <p:blipFill>
-          <a:blip r:embed="rId3"/>
+          <a:blip r:embed="rId1"/>
           <a:srcRect l="7013" b="33916"/>
           <a:stretch>
             <a:fillRect/>
@@ -13919,6 +13549,13 @@
               </a:rPr>
               <a:t>实参数量小于形参数量</a:t>
             </a:r>
+            <a:endParaRPr lang="zh-CN" altLang="en-US" sz="2200">
+              <a:solidFill>
+                <a:srgbClr val="FF0000"/>
+              </a:solidFill>
+              <a:latin typeface="+mn-ea"/>
+              <a:ea typeface="+mn-ea"/>
+            </a:endParaRPr>
           </a:p>
         </p:txBody>
       </p:sp>
@@ -14323,6 +13960,11 @@
               </a:rPr>
               <a:t>函数的定义与调用</a:t>
             </a:r>
+            <a:endParaRPr lang="zh-CN" altLang="en-US" sz="2800" b="1">
+              <a:solidFill>
+                <a:schemeClr val="tx1"/>
+              </a:solidFill>
+            </a:endParaRPr>
           </a:p>
           <a:p>
             <a:pPr algn="l">
@@ -14349,6 +13991,11 @@
               </a:rPr>
               <a:t>函数参数的数量问题</a:t>
             </a:r>
+            <a:endParaRPr lang="zh-CN" altLang="en-US" sz="2800" b="1">
+              <a:solidFill>
+                <a:schemeClr val="tx1"/>
+              </a:solidFill>
+            </a:endParaRPr>
           </a:p>
           <a:p>
             <a:pPr algn="l">
@@ -14376,6 +14023,12 @@
               </a:rPr>
               <a:t>参数类型与传递方式（值、引用）</a:t>
             </a:r>
+            <a:endParaRPr lang="zh-CN" altLang="en-US" sz="2800" b="1">
+              <a:solidFill>
+                <a:srgbClr val="FF0000"/>
+              </a:solidFill>
+              <a:sym typeface="+mn-ea"/>
+            </a:endParaRPr>
           </a:p>
         </p:txBody>
       </p:sp>
@@ -14950,10 +14603,9 @@
       </a:lstStyle>
     </a:lnDef>
   </a:objectDefaults>
-  <a:extraClrSchemeLst/>
   <a:extLst>
     <a:ext uri="{05A4C25C-085E-4340-85A3-A5531E510DB2}">
-      <thm15:themeFamily xmlns="" xmlns:thm15="http://schemas.microsoft.com/office/thememl/2012/main" name="Office Theme" id="{62F939B6-93AF-4DB8-9C6B-D6C7DFDC589F}" vid="{4A3C46E8-61CC-4603-A589-7422A47A8E4A}"/>
+      <thm15:themeFamily xmlns:thm15="http://schemas.microsoft.com/office/thememl/2012/main" name="Office Theme" id="{62F939B6-93AF-4DB8-9C6B-D6C7DFDC589F}" vid="{4A3C46E8-61CC-4603-A589-7422A47A8E4A}"/>
     </a:ext>
   </a:extLst>
 </a:theme>
@@ -15237,11 +14889,9 @@
       </a:bgFillStyleLst>
     </a:fmtScheme>
   </a:themeElements>
-  <a:objectDefaults/>
-  <a:extraClrSchemeLst/>
   <a:extLst>
     <a:ext uri="{05A4C25C-085E-4340-85A3-A5531E510DB2}">
-      <thm15:themeFamily xmlns="" xmlns:thm15="http://schemas.microsoft.com/office/thememl/2012/main" name="Office Theme" id="{62F939B6-93AF-4DB8-9C6B-D6C7DFDC589F}" vid="{4A3C46E8-61CC-4603-A589-7422A47A8E4A}"/>
+      <thm15:themeFamily xmlns:thm15="http://schemas.microsoft.com/office/thememl/2012/main" name="Office Theme" id="{62F939B6-93AF-4DB8-9C6B-D6C7DFDC589F}" vid="{4A3C46E8-61CC-4603-A589-7422A47A8E4A}"/>
     </a:ext>
   </a:extLst>
 </a:theme>

--- a/课程PPT/07.JS函数及函数参数.pptx
+++ b/课程PPT/07.JS函数及函数参数.pptx
@@ -22,6 +22,7 @@
     <p:sldId id="1466" r:id="rId15"/>
     <p:sldId id="1188" r:id="rId16"/>
     <p:sldId id="1190" r:id="rId17"/>
+    <p:sldId id="1469" r:id="rId18"/>
   </p:sldIdLst>
   <p:sldSz cx="12192000" cy="6858000"/>
   <p:notesSz cx="6797675" cy="9928225"/>
@@ -827,6 +828,84 @@
 </file>
 
 <file path=ppt/notesSlides/notesSlide12.xml><?xml version="1.0" encoding="utf-8"?>
+<p:notes xmlns:a="http://schemas.openxmlformats.org/drawingml/2006/main" xmlns:r="http://schemas.openxmlformats.org/officeDocument/2006/relationships" xmlns:p="http://schemas.openxmlformats.org/presentationml/2006/main">
+  <p:cSld>
+    <p:spTree>
+      <p:nvGrpSpPr>
+        <p:cNvPr id="1" name=""/>
+        <p:cNvGrpSpPr/>
+        <p:nvPr/>
+      </p:nvGrpSpPr>
+      <p:grpSpPr>
+        <a:xfrm>
+          <a:off x="0" y="0"/>
+          <a:ext cx="0" cy="0"/>
+          <a:chOff x="0" y="0"/>
+          <a:chExt cx="0" cy="0"/>
+        </a:xfrm>
+      </p:grpSpPr>
+      <p:sp>
+        <p:nvSpPr>
+          <p:cNvPr id="2" name="幻灯片图像占位符 1"/>
+          <p:cNvSpPr>
+            <a:spLocks noGrp="1" noRot="1" noChangeAspect="1"/>
+          </p:cNvSpPr>
+          <p:nvPr>
+            <p:ph type="sldImg"/>
+          </p:nvPr>
+        </p:nvSpPr>
+        <p:spPr/>
+      </p:sp>
+      <p:sp>
+        <p:nvSpPr>
+          <p:cNvPr id="3" name="备注占位符 2"/>
+          <p:cNvSpPr>
+            <a:spLocks noGrp="1"/>
+          </p:cNvSpPr>
+          <p:nvPr>
+            <p:ph type="body" idx="1"/>
+          </p:nvPr>
+        </p:nvSpPr>
+        <p:spPr/>
+        <p:txBody>
+          <a:bodyPr/>
+          <a:lstStyle/>
+          <a:p>
+            <a:endParaRPr lang="zh-CN" altLang="en-US" dirty="0"/>
+          </a:p>
+        </p:txBody>
+      </p:sp>
+      <p:sp>
+        <p:nvSpPr>
+          <p:cNvPr id="4" name="灯片编号占位符 3"/>
+          <p:cNvSpPr>
+            <a:spLocks noGrp="1"/>
+          </p:cNvSpPr>
+          <p:nvPr>
+            <p:ph type="sldNum" sz="quarter" idx="10"/>
+          </p:nvPr>
+        </p:nvSpPr>
+        <p:spPr/>
+        <p:txBody>
+          <a:bodyPr/>
+          <a:lstStyle/>
+          <a:p>
+            <a:fld id="{D9AFD278-84AA-4CAA-9049-809825956FE0}" type="slidenum">
+              <a:rPr lang="en-US" altLang="zh-CN" smtClean="0"/>
+            </a:fld>
+            <a:endParaRPr lang="zh-CN" altLang="zh-CN"/>
+          </a:p>
+        </p:txBody>
+      </p:sp>
+    </p:spTree>
+  </p:cSld>
+  <p:clrMapOvr>
+    <a:masterClrMapping/>
+  </p:clrMapOvr>
+</p:notes>
+</file>
+
+<file path=ppt/notesSlides/notesSlide13.xml><?xml version="1.0" encoding="utf-8"?>
 <p:notes xmlns:a="http://schemas.openxmlformats.org/drawingml/2006/main" xmlns:r="http://schemas.openxmlformats.org/officeDocument/2006/relationships" xmlns:p="http://schemas.openxmlformats.org/presentationml/2006/main">
   <p:cSld>
     <p:spTree>
@@ -8110,6 +8189,248 @@
 </p:sld>
 </file>
 
+<file path=ppt/slides/slide15.xml><?xml version="1.0" encoding="utf-8"?>
+<p:sld xmlns:a="http://schemas.openxmlformats.org/drawingml/2006/main" xmlns:r="http://schemas.openxmlformats.org/officeDocument/2006/relationships" xmlns:p="http://schemas.openxmlformats.org/presentationml/2006/main">
+  <p:cSld>
+    <p:spTree>
+      <p:nvGrpSpPr>
+        <p:cNvPr id="1" name=""/>
+        <p:cNvGrpSpPr/>
+        <p:nvPr/>
+      </p:nvGrpSpPr>
+      <p:grpSpPr>
+        <a:xfrm>
+          <a:off x="0" y="0"/>
+          <a:ext cx="0" cy="0"/>
+          <a:chOff x="0" y="0"/>
+          <a:chExt cx="0" cy="0"/>
+        </a:xfrm>
+      </p:grpSpPr>
+      <p:sp>
+        <p:nvSpPr>
+          <p:cNvPr id="11266" name="内容占位符 1"/>
+          <p:cNvSpPr>
+            <a:spLocks noGrp="1"/>
+          </p:cNvSpPr>
+          <p:nvPr>
+            <p:ph sz="quarter" idx="10"/>
+          </p:nvPr>
+        </p:nvSpPr>
+        <p:spPr bwMode="auto">
+          <a:xfrm>
+            <a:off x="947420" y="940435"/>
+            <a:ext cx="9518015" cy="5115560"/>
+          </a:xfrm>
+          <a:noFill/>
+          <a:extLst>
+            <a:ext uri="{909E8E84-426E-40DD-AFC4-6F175D3DCCD1}">
+              <a14:hiddenFill xmlns:a14="http://schemas.microsoft.com/office/drawing/2010/main">
+                <a:solidFill>
+                  <a:srgbClr val="FFFFFF"/>
+                </a:solidFill>
+              </a14:hiddenFill>
+            </a:ext>
+            <a:ext uri="{91240B29-F687-4F45-9708-019B960494DF}">
+              <a14:hiddenLine xmlns:a14="http://schemas.microsoft.com/office/drawing/2010/main" w="9525">
+                <a:solidFill>
+                  <a:srgbClr val="000000"/>
+                </a:solidFill>
+                <a:miter lim="800000"/>
+                <a:headEnd/>
+                <a:tailEnd/>
+              </a14:hiddenLine>
+            </a:ext>
+          </a:extLst>
+        </p:spPr>
+        <p:txBody>
+          <a:bodyPr vert="horz" wrap="square" lIns="91440" tIns="45720" rIns="91440" bIns="45720" numCol="1" anchor="t" anchorCtr="0" compatLnSpc="1"/>
+          <a:lstStyle/>
+          <a:p>
+            <a:pPr>
+              <a:lnSpc>
+                <a:spcPct val="130000"/>
+              </a:lnSpc>
+            </a:pPr>
+            <a:r>
+              <a:rPr lang="zh-CN" altLang="en-US" sz="3200">
+                <a:solidFill>
+                  <a:schemeClr val="tx1"/>
+                </a:solidFill>
+                <a:sym typeface="+mn-ea"/>
+              </a:rPr>
+              <a:t>复习本章课件及练习</a:t>
+            </a:r>
+            <a:endParaRPr lang="zh-CN" altLang="en-US" sz="3200">
+              <a:solidFill>
+                <a:schemeClr val="tx1"/>
+              </a:solidFill>
+              <a:sym typeface="+mn-ea"/>
+            </a:endParaRPr>
+          </a:p>
+          <a:p>
+            <a:pPr>
+              <a:lnSpc>
+                <a:spcPct val="130000"/>
+              </a:lnSpc>
+            </a:pPr>
+            <a:r>
+              <a:rPr lang="zh-CN" altLang="en-US" sz="3200">
+                <a:solidFill>
+                  <a:schemeClr val="tx1"/>
+                </a:solidFill>
+                <a:sym typeface="+mn-ea"/>
+              </a:rPr>
+              <a:t>将自己的本章练习提交到个人仓库中</a:t>
+            </a:r>
+            <a:endParaRPr lang="zh-CN" altLang="en-US" sz="3200">
+              <a:solidFill>
+                <a:schemeClr val="tx1"/>
+              </a:solidFill>
+              <a:sym typeface="+mn-ea"/>
+            </a:endParaRPr>
+          </a:p>
+          <a:p>
+            <a:pPr>
+              <a:lnSpc>
+                <a:spcPct val="130000"/>
+              </a:lnSpc>
+            </a:pPr>
+            <a:r>
+              <a:rPr lang="zh-CN" altLang="en-US" sz="3200">
+                <a:solidFill>
+                  <a:schemeClr val="tx1"/>
+                </a:solidFill>
+                <a:sym typeface="+mn-ea"/>
+              </a:rPr>
+              <a:t>慕课网（第</a:t>
+            </a:r>
+            <a:r>
+              <a:rPr lang="en-US" altLang="zh-CN" sz="3200">
+                <a:solidFill>
+                  <a:schemeClr val="tx1"/>
+                </a:solidFill>
+                <a:sym typeface="+mn-ea"/>
+              </a:rPr>
+              <a:t>5</a:t>
+            </a:r>
+            <a:r>
+              <a:rPr lang="zh-CN" altLang="en-US" sz="3200">
+                <a:solidFill>
+                  <a:schemeClr val="tx1"/>
+                </a:solidFill>
+                <a:sym typeface="+mn-ea"/>
+              </a:rPr>
+              <a:t>章）</a:t>
+            </a:r>
+            <a:br>
+              <a:rPr lang="zh-CN" altLang="en-US" sz="3200">
+                <a:solidFill>
+                  <a:schemeClr val="tx1"/>
+                </a:solidFill>
+                <a:sym typeface="+mn-ea"/>
+              </a:rPr>
+            </a:br>
+            <a:r>
+              <a:rPr lang="zh-CN" altLang="en-US" sz="3200">
+                <a:solidFill>
+                  <a:schemeClr val="tx1"/>
+                </a:solidFill>
+                <a:sym typeface="+mn-ea"/>
+              </a:rPr>
+              <a:t>https://www.imooc.com/learn/10</a:t>
+            </a:r>
+            <a:br>
+              <a:rPr lang="en-US" altLang="zh-CN" sz="3200">
+                <a:solidFill>
+                  <a:schemeClr val="tx1"/>
+                </a:solidFill>
+                <a:sym typeface="+mn-ea"/>
+              </a:rPr>
+            </a:br>
+            <a:br>
+              <a:rPr kumimoji="0" lang="zh-CN" altLang="en-US" sz="2000" dirty="0" smtClean="0">
+                <a:solidFill>
+                  <a:schemeClr val="tx1"/>
+                </a:solidFill>
+                <a:sym typeface="+mn-ea"/>
+              </a:rPr>
+            </a:br>
+            <a:endParaRPr kumimoji="0" lang="zh-CN" altLang="en-US" sz="2000" dirty="0" smtClean="0">
+              <a:solidFill>
+                <a:schemeClr val="tx1"/>
+              </a:solidFill>
+              <a:sym typeface="+mn-ea"/>
+            </a:endParaRPr>
+          </a:p>
+          <a:p>
+            <a:pPr eaLnBrk="1" hangingPunct="1">
+              <a:lnSpc>
+                <a:spcPct val="150000"/>
+              </a:lnSpc>
+            </a:pPr>
+            <a:endParaRPr kumimoji="0" lang="en-US" altLang="zh-CN" sz="3600" dirty="0" smtClean="0">
+              <a:solidFill>
+                <a:schemeClr val="tx1"/>
+              </a:solidFill>
+            </a:endParaRPr>
+          </a:p>
+          <a:p>
+            <a:pPr eaLnBrk="1" hangingPunct="1">
+              <a:lnSpc>
+                <a:spcPct val="150000"/>
+              </a:lnSpc>
+            </a:pPr>
+            <a:endParaRPr kumimoji="0" lang="zh-CN" altLang="en-US" dirty="0" smtClean="0">
+              <a:solidFill>
+                <a:schemeClr val="tx1"/>
+              </a:solidFill>
+            </a:endParaRPr>
+          </a:p>
+        </p:txBody>
+      </p:sp>
+      <p:sp>
+        <p:nvSpPr>
+          <p:cNvPr id="2" name="内容占位符 1"/>
+          <p:cNvSpPr>
+            <a:spLocks noGrp="1"/>
+          </p:cNvSpPr>
+          <p:nvPr>
+            <p:ph sz="quarter" idx="11"/>
+          </p:nvPr>
+        </p:nvSpPr>
+        <p:spPr>
+          <a:xfrm>
+            <a:off x="947420" y="308610"/>
+            <a:ext cx="8415655" cy="490220"/>
+          </a:xfrm>
+        </p:spPr>
+        <p:txBody>
+          <a:bodyPr/>
+          <a:lstStyle/>
+          <a:p>
+            <a:r>
+              <a:rPr kumimoji="0" lang="zh-CN" dirty="0"/>
+              <a:t>作业</a:t>
+            </a:r>
+            <a:endParaRPr kumimoji="0" lang="zh-CN" dirty="0"/>
+          </a:p>
+        </p:txBody>
+      </p:sp>
+    </p:spTree>
+  </p:cSld>
+  <p:clrMapOvr>
+    <a:masterClrMapping/>
+  </p:clrMapOvr>
+  <p:timing>
+    <p:tnLst>
+      <p:par>
+        <p:cTn id="1" dur="indefinite" restart="never" nodeType="tmRoot"/>
+      </p:par>
+    </p:tnLst>
+  </p:timing>
+</p:sld>
+</file>
+
 <file path=ppt/slides/slide2.xml><?xml version="1.0" encoding="utf-8"?>
 <p:sld xmlns:a="http://schemas.openxmlformats.org/drawingml/2006/main" xmlns:r="http://schemas.openxmlformats.org/officeDocument/2006/relationships" xmlns:p="http://schemas.openxmlformats.org/presentationml/2006/main">
   <p:cSld>
@@ -8817,25 +9138,7 @@
                 </a:solidFill>
                 <a:sym typeface="+mn-ea"/>
               </a:rPr>
-              <a:t>，有名的话方便</a:t>
-            </a:r>
-            <a:r>
-              <a:rPr kumimoji="0" lang="zh-CN" altLang="en-US" sz="2000" dirty="0" smtClean="0">
-                <a:solidFill>
-                  <a:srgbClr val="FF0000"/>
-                </a:solidFill>
-                <a:sym typeface="+mn-ea"/>
-              </a:rPr>
-              <a:t>调用栈</a:t>
-            </a:r>
-            <a:r>
-              <a:rPr kumimoji="0" lang="zh-CN" altLang="en-US" sz="2000" dirty="0" smtClean="0">
-                <a:solidFill>
-                  <a:schemeClr val="tx1"/>
-                </a:solidFill>
-                <a:sym typeface="+mn-ea"/>
-              </a:rPr>
-              <a:t>追踪）</a:t>
+              <a:t>，有名的话方便调用栈追踪）</a:t>
             </a:r>
             <a:br>
               <a:rPr kumimoji="0" lang="zh-CN" altLang="en-US" sz="2000" dirty="0" smtClean="0">
@@ -9113,8 +9416,8 @@
         </p:nvSpPr>
         <p:spPr>
           <a:xfrm>
-            <a:off x="5281930" y="5816600"/>
-            <a:ext cx="5942330" cy="768350"/>
+            <a:off x="6231255" y="6096635"/>
+            <a:ext cx="3857625" cy="429895"/>
           </a:xfrm>
           <a:prstGeom prst="rect">
             <a:avLst/>
@@ -9146,57 +9449,7 @@
                 <a:latin typeface="+mn-ea"/>
                 <a:ea typeface="+mn-ea"/>
               </a:rPr>
-              <a:t>demo01 </a:t>
-            </a:r>
-            <a:r>
-              <a:rPr lang="zh-CN" altLang="en-US" sz="2200">
-                <a:solidFill>
-                  <a:srgbClr val="FF0000"/>
-                </a:solidFill>
-                <a:latin typeface="+mn-ea"/>
-                <a:ea typeface="+mn-ea"/>
-              </a:rPr>
-              <a:t>匿名函数与非匿名函数对比</a:t>
-            </a:r>
-            <a:endParaRPr lang="zh-CN" altLang="en-US" sz="2200">
-              <a:solidFill>
-                <a:srgbClr val="FF0000"/>
-              </a:solidFill>
-              <a:latin typeface="+mn-ea"/>
-              <a:ea typeface="+mn-ea"/>
-            </a:endParaRPr>
-          </a:p>
-          <a:p>
-            <a:pPr algn="l"/>
-            <a:r>
-              <a:rPr lang="zh-CN" altLang="en-US" sz="2200">
-                <a:solidFill>
-                  <a:srgbClr val="FF0000"/>
-                </a:solidFill>
-                <a:latin typeface="+mn-ea"/>
-                <a:ea typeface="+mn-ea"/>
-              </a:rPr>
-              <a:t>查看</a:t>
-            </a:r>
-            <a:r>
-              <a:rPr lang="en-US" altLang="zh-CN" sz="2200">
-                <a:solidFill>
-                  <a:srgbClr val="FF0000"/>
-                </a:solidFill>
-                <a:latin typeface="+mn-ea"/>
-                <a:ea typeface="+mn-ea"/>
-              </a:rPr>
-              <a:t>Node.js</a:t>
-            </a:r>
-            <a:r>
-              <a:rPr lang="zh-CN" altLang="en-US" sz="2200">
-                <a:solidFill>
-                  <a:srgbClr val="FF0000"/>
-                </a:solidFill>
-                <a:latin typeface="+mn-ea"/>
-                <a:ea typeface="+mn-ea"/>
-              </a:rPr>
-              <a:t>读取文件和配置函数对象实例</a:t>
+              <a:t>demo01</a:t>
             </a:r>
             <a:endParaRPr lang="zh-CN" altLang="en-US" sz="2200">
               <a:solidFill>

--- a/课程PPT/07.JS函数及函数参数.pptx
+++ b/课程PPT/07.JS函数及函数参数.pptx
@@ -10047,7 +10047,25 @@
                 </a:solidFill>
                 <a:sym typeface="+mn-ea"/>
               </a:rPr>
-              <a:t>种）</a:t>
+              <a:t>种，注意</a:t>
+            </a:r>
+            <a:r>
+              <a:rPr kumimoji="0" lang="zh-CN" altLang="en-US" sz="3200" dirty="0" smtClean="0">
+                <a:solidFill>
+                  <a:srgbClr val="FF0000"/>
+                </a:solidFill>
+                <a:sym typeface="+mn-ea"/>
+              </a:rPr>
+              <a:t>调用函数的主体</a:t>
+            </a:r>
+            <a:r>
+              <a:rPr kumimoji="0" lang="zh-CN" altLang="en-US" sz="3200" dirty="0" smtClean="0">
+                <a:solidFill>
+                  <a:schemeClr val="tx1"/>
+                </a:solidFill>
+                <a:sym typeface="+mn-ea"/>
+              </a:rPr>
+              <a:t>）</a:t>
             </a:r>
             <a:br>
               <a:rPr kumimoji="0" lang="zh-CN" altLang="en-US" sz="3200" dirty="0" smtClean="0">
@@ -11182,7 +11200,34 @@
                 </a:solidFill>
                 <a:sym typeface="+mn-ea"/>
               </a:rPr>
-              <a:t>种）</a:t>
+              <a:t>种</a:t>
+            </a:r>
+            <a:r>
+              <a:rPr kumimoji="0" lang="zh-CN" altLang="en-US" sz="3200" dirty="0" smtClean="0">
+                <a:solidFill>
+                  <a:schemeClr val="tx1"/>
+                </a:solidFill>
+                <a:sym typeface="+mn-ea"/>
+              </a:rPr>
+              <a:t>，注意</a:t>
+            </a:r>
+            <a:r>
+              <a:rPr kumimoji="0" lang="zh-CN" altLang="en-US" sz="3200" dirty="0" smtClean="0">
+                <a:solidFill>
+                  <a:srgbClr val="FF0000"/>
+                </a:solidFill>
+                <a:sym typeface="+mn-ea"/>
+              </a:rPr>
+              <a:t>调用函数的主体</a:t>
+            </a:r>
+            <a:r>
+              <a:rPr kumimoji="0" lang="zh-CN" altLang="en-US" sz="3200" dirty="0" smtClean="0">
+                <a:solidFill>
+                  <a:schemeClr val="tx1"/>
+                </a:solidFill>
+                <a:sym typeface="+mn-ea"/>
+              </a:rPr>
+              <a:t>）</a:t>
             </a:r>
             <a:br>
               <a:rPr kumimoji="0" lang="zh-CN" altLang="en-US" sz="3200" dirty="0" smtClean="0">
@@ -11229,6 +11274,15 @@
               <a:t>（</a:t>
             </a:r>
             <a:r>
+              <a:rPr lang="zh-CN" altLang="en-US" sz="2000" dirty="0" smtClean="0">
+                <a:solidFill>
+                  <a:schemeClr val="tx1"/>
+                </a:solidFill>
+                <a:sym typeface="+mn-ea"/>
+              </a:rPr>
+              <a:t>非严格模式下</a:t>
+            </a:r>
+            <a:r>
               <a:rPr lang="en-US" altLang="zh-CN" sz="2000" dirty="0" smtClean="0">
                 <a:solidFill>
                   <a:schemeClr val="tx1"/>
@@ -11244,7 +11298,7 @@
                 </a:solidFill>
                 <a:sym typeface="+mn-ea"/>
               </a:rPr>
-              <a:t>指向</a:t>
+              <a:t>为</a:t>
             </a:r>
             <a:r>
               <a:rPr lang="zh-CN" altLang="en-US" sz="2000" dirty="0" smtClean="0">
@@ -11254,6 +11308,24 @@
                 <a:sym typeface="+mn-ea"/>
               </a:rPr>
               <a:t>全局对象</a:t>
+            </a:r>
+            <a:r>
+              <a:rPr lang="zh-CN" altLang="en-US" sz="2000" dirty="0" smtClean="0">
+                <a:solidFill>
+                  <a:schemeClr val="tx1"/>
+                </a:solidFill>
+                <a:sym typeface="+mn-ea"/>
+              </a:rPr>
+              <a:t>，严格模式下为</a:t>
+            </a:r>
+            <a:r>
+              <a:rPr lang="en-US" altLang="zh-CN" sz="2000" dirty="0" smtClean="0">
+                <a:solidFill>
+                  <a:srgbClr val="FF0000"/>
+                </a:solidFill>
+                <a:sym typeface="+mn-ea"/>
+              </a:rPr>
+              <a:t>undefined</a:t>
             </a:r>
             <a:r>
               <a:rPr lang="zh-CN" altLang="en-US" sz="2000" dirty="0" smtClean="0">
@@ -11618,32 +11690,6 @@
                 </a:solidFill>
               </a:rPr>
             </a:br>
-            <a:br>
-              <a:rPr kumimoji="0" lang="zh-CN" altLang="en-US" sz="2000" dirty="0" smtClean="0">
-                <a:solidFill>
-                  <a:schemeClr val="tx1"/>
-                </a:solidFill>
-              </a:rPr>
-            </a:br>
-            <a:br>
-              <a:rPr kumimoji="0" lang="zh-CN" altLang="en-US" sz="2000" dirty="0" smtClean="0">
-                <a:solidFill>
-                  <a:schemeClr val="tx1"/>
-                </a:solidFill>
-              </a:rPr>
-            </a:br>
-            <a:endParaRPr kumimoji="0" lang="zh-CN" altLang="en-US" sz="3200" dirty="0" smtClean="0">
-              <a:solidFill>
-                <a:schemeClr val="tx1"/>
-              </a:solidFill>
-            </a:endParaRPr>
-          </a:p>
-          <a:p>
-            <a:pPr eaLnBrk="1" hangingPunct="1">
-              <a:lnSpc>
-                <a:spcPct val="150000"/>
-              </a:lnSpc>
-            </a:pPr>
             <a:endParaRPr kumimoji="0" lang="en-US" altLang="zh-CN" sz="3600" dirty="0" smtClean="0">
               <a:solidFill>
                 <a:schemeClr val="tx1"/>

--- a/课程PPT/07.JS函数及函数参数.pptx
+++ b/课程PPT/07.JS函数及函数参数.pptx
@@ -8302,6 +8302,28 @@
                 </a:solidFill>
                 <a:sym typeface="+mn-ea"/>
               </a:rPr>
+              <a:t>阅读《JavaScript权威指南》第8章中的8.1、8.2、8.3、8.4这4个小节中的内容</a:t>
+            </a:r>
+            <a:endParaRPr lang="zh-CN" altLang="en-US" sz="3200">
+              <a:solidFill>
+                <a:schemeClr val="tx1"/>
+              </a:solidFill>
+              <a:sym typeface="+mn-ea"/>
+            </a:endParaRPr>
+          </a:p>
+          <a:p>
+            <a:pPr>
+              <a:lnSpc>
+                <a:spcPct val="130000"/>
+              </a:lnSpc>
+            </a:pPr>
+            <a:r>
+              <a:rPr lang="zh-CN" altLang="en-US" sz="3200">
+                <a:solidFill>
+                  <a:schemeClr val="tx1"/>
+                </a:solidFill>
+                <a:sym typeface="+mn-ea"/>
+              </a:rPr>
               <a:t>慕课网（第</a:t>
             </a:r>
             <a:r>
@@ -11200,16 +11222,7 @@
                 </a:solidFill>
                 <a:sym typeface="+mn-ea"/>
               </a:rPr>
-              <a:t>种</a:t>
-            </a:r>
-            <a:r>
-              <a:rPr kumimoji="0" lang="zh-CN" altLang="en-US" sz="3200" dirty="0" smtClean="0">
-                <a:solidFill>
-                  <a:schemeClr val="tx1"/>
-                </a:solidFill>
-                <a:sym typeface="+mn-ea"/>
-              </a:rPr>
-              <a:t>，注意</a:t>
+              <a:t>种，注意</a:t>
             </a:r>
             <a:r>
               <a:rPr kumimoji="0" lang="zh-CN" altLang="en-US" sz="3200" dirty="0" smtClean="0">
@@ -11271,16 +11284,7 @@
                 </a:solidFill>
                 <a:sym typeface="+mn-ea"/>
               </a:rPr>
-              <a:t>（</a:t>
-            </a:r>
-            <a:r>
-              <a:rPr lang="zh-CN" altLang="en-US" sz="2000" dirty="0" smtClean="0">
-                <a:solidFill>
-                  <a:schemeClr val="tx1"/>
-                </a:solidFill>
-                <a:sym typeface="+mn-ea"/>
-              </a:rPr>
-              <a:t>非严格模式下</a:t>
+              <a:t>（非严格模式下</a:t>
             </a:r>
             <a:r>
               <a:rPr lang="en-US" altLang="zh-CN" sz="2000" dirty="0" smtClean="0">
